--- a/lesson-react-30-Best-Practices/react-best-practices.pptx
+++ b/lesson-react-30-Best-Practices/react-best-practices.pptx
@@ -1963,7 +1963,7 @@
           <a:noFill/>
           <a:extLst>
             <a:ext uri="{909E8E84-426E-40dd-AFC4-6F175D3DCCD1}">
-              <a14:hiddenFill xmlns="" xmlns:a14="http://schemas.microsoft.com/office/drawing/2010/main">
+              <a14:hiddenFill xmlns:a14="http://schemas.microsoft.com/office/drawing/2010/main" xmlns="">
                 <a:solidFill>
                   <a:srgbClr val="FFFFFF"/>
                 </a:solidFill>
@@ -14524,15 +14524,7 @@
             </a:pPr>
             <a:r>
               <a:rPr lang="en-US" dirty="0" smtClean="0"/>
-              <a:t>NO UI </a:t>
-            </a:r>
-            <a:r>
-              <a:rPr lang="en-US" dirty="0" smtClean="0"/>
-              <a:t>STATE OR </a:t>
-            </a:r>
-            <a:r>
-              <a:rPr lang="en-US" dirty="0" smtClean="0"/>
-              <a:t>APP STATE</a:t>
+              <a:t>NO UI STATE OR APP STATE</a:t>
             </a:r>
           </a:p>
           <a:p>
@@ -16555,6 +16547,30 @@
           <a:chExt cx="0" cy="0"/>
         </a:xfrm>
       </p:grpSpPr>
+      <p:pic>
+        <p:nvPicPr>
+          <p:cNvPr id="8" name="Picture 7"/>
+          <p:cNvPicPr>
+            <a:picLocks noChangeAspect="1"/>
+          </p:cNvPicPr>
+          <p:nvPr/>
+        </p:nvPicPr>
+        <p:blipFill>
+          <a:blip r:embed="rId2"/>
+          <a:stretch>
+            <a:fillRect/>
+          </a:stretch>
+        </p:blipFill>
+        <p:spPr>
+          <a:xfrm>
+            <a:off x="503106" y="1776667"/>
+            <a:ext cx="8412293" cy="4177295"/>
+          </a:xfrm>
+          <a:prstGeom prst="rect">
+            <a:avLst/>
+          </a:prstGeom>
+        </p:spPr>
+      </p:pic>
       <p:sp>
         <p:nvSpPr>
           <p:cNvPr id="2" name="Text Placeholder 1"/>
@@ -16684,30 +16700,6 @@
           </a:p>
         </p:txBody>
       </p:sp>
-      <p:pic>
-        <p:nvPicPr>
-          <p:cNvPr id="4" name="Picture 3"/>
-          <p:cNvPicPr>
-            <a:picLocks noChangeAspect="1"/>
-          </p:cNvPicPr>
-          <p:nvPr/>
-        </p:nvPicPr>
-        <p:blipFill>
-          <a:blip r:embed="rId2"/>
-          <a:stretch>
-            <a:fillRect/>
-          </a:stretch>
-        </p:blipFill>
-        <p:spPr>
-          <a:xfrm>
-            <a:off x="548920" y="1905000"/>
-            <a:ext cx="8204200" cy="4013200"/>
-          </a:xfrm>
-          <a:prstGeom prst="rect">
-            <a:avLst/>
-          </a:prstGeom>
-        </p:spPr>
-      </p:pic>
       <p:grpSp>
         <p:nvGrpSpPr>
           <p:cNvPr id="5" name="Group 4"/>

--- a/lesson-react-30-Best-Practices/react-best-practices.pptx
+++ b/lesson-react-30-Best-Practices/react-best-practices.pptx
@@ -5,37 +5,38 @@
     <p:sldMasterId id="2147483674" r:id="rId1"/>
   </p:sldMasterIdLst>
   <p:notesMasterIdLst>
-    <p:notesMasterId r:id="rId22"/>
+    <p:notesMasterId r:id="rId23"/>
   </p:notesMasterIdLst>
   <p:handoutMasterIdLst>
-    <p:handoutMasterId r:id="rId23"/>
+    <p:handoutMasterId r:id="rId24"/>
   </p:handoutMasterIdLst>
   <p:sldIdLst>
     <p:sldId id="298" r:id="rId2"/>
     <p:sldId id="362" r:id="rId3"/>
-    <p:sldId id="429" r:id="rId4"/>
-    <p:sldId id="422" r:id="rId5"/>
-    <p:sldId id="421" r:id="rId6"/>
-    <p:sldId id="425" r:id="rId7"/>
-    <p:sldId id="423" r:id="rId8"/>
-    <p:sldId id="426" r:id="rId9"/>
-    <p:sldId id="427" r:id="rId10"/>
-    <p:sldId id="428" r:id="rId11"/>
-    <p:sldId id="400" r:id="rId12"/>
-    <p:sldId id="401" r:id="rId13"/>
-    <p:sldId id="402" r:id="rId14"/>
-    <p:sldId id="403" r:id="rId15"/>
-    <p:sldId id="420" r:id="rId16"/>
-    <p:sldId id="404" r:id="rId17"/>
-    <p:sldId id="405" r:id="rId18"/>
-    <p:sldId id="406" r:id="rId19"/>
-    <p:sldId id="407" r:id="rId20"/>
-    <p:sldId id="408" r:id="rId21"/>
+    <p:sldId id="430" r:id="rId4"/>
+    <p:sldId id="429" r:id="rId5"/>
+    <p:sldId id="422" r:id="rId6"/>
+    <p:sldId id="421" r:id="rId7"/>
+    <p:sldId id="425" r:id="rId8"/>
+    <p:sldId id="423" r:id="rId9"/>
+    <p:sldId id="426" r:id="rId10"/>
+    <p:sldId id="427" r:id="rId11"/>
+    <p:sldId id="428" r:id="rId12"/>
+    <p:sldId id="400" r:id="rId13"/>
+    <p:sldId id="401" r:id="rId14"/>
+    <p:sldId id="402" r:id="rId15"/>
+    <p:sldId id="403" r:id="rId16"/>
+    <p:sldId id="420" r:id="rId17"/>
+    <p:sldId id="404" r:id="rId18"/>
+    <p:sldId id="405" r:id="rId19"/>
+    <p:sldId id="406" r:id="rId20"/>
+    <p:sldId id="407" r:id="rId21"/>
+    <p:sldId id="408" r:id="rId22"/>
   </p:sldIdLst>
   <p:sldSz cx="9144000" cy="6858000" type="screen4x3"/>
   <p:notesSz cx="6858000" cy="9144000"/>
   <p:custDataLst>
-    <p:tags r:id="rId24"/>
+    <p:tags r:id="rId25"/>
   </p:custDataLst>
   <p:defaultTextStyle>
     <a:defPPr>
@@ -641,6 +642,91 @@
 </p:notesMaster>
 </file>
 
+<file path=ppt/notesSlides/notesSlide1.xml><?xml version="1.0" encoding="utf-8"?>
+<p:notes xmlns:a="http://schemas.openxmlformats.org/drawingml/2006/main" xmlns:r="http://schemas.openxmlformats.org/officeDocument/2006/relationships" xmlns:p="http://schemas.openxmlformats.org/presentationml/2006/main">
+  <p:cSld>
+    <p:spTree>
+      <p:nvGrpSpPr>
+        <p:cNvPr id="1" name=""/>
+        <p:cNvGrpSpPr/>
+        <p:nvPr/>
+      </p:nvGrpSpPr>
+      <p:grpSpPr>
+        <a:xfrm>
+          <a:off x="0" y="0"/>
+          <a:ext cx="0" cy="0"/>
+          <a:chOff x="0" y="0"/>
+          <a:chExt cx="0" cy="0"/>
+        </a:xfrm>
+      </p:grpSpPr>
+      <p:sp>
+        <p:nvSpPr>
+          <p:cNvPr id="2" name="Slide Image Placeholder 1"/>
+          <p:cNvSpPr>
+            <a:spLocks noGrp="1" noRot="1" noChangeAspect="1"/>
+          </p:cNvSpPr>
+          <p:nvPr>
+            <p:ph type="sldImg"/>
+          </p:nvPr>
+        </p:nvSpPr>
+        <p:spPr/>
+      </p:sp>
+      <p:sp>
+        <p:nvSpPr>
+          <p:cNvPr id="3" name="Notes Placeholder 2"/>
+          <p:cNvSpPr>
+            <a:spLocks noGrp="1"/>
+          </p:cNvSpPr>
+          <p:nvPr>
+            <p:ph type="body" idx="1"/>
+          </p:nvPr>
+        </p:nvSpPr>
+        <p:spPr/>
+        <p:txBody>
+          <a:bodyPr/>
+          <a:lstStyle/>
+          <a:p>
+            <a:endParaRPr lang="en-US"/>
+          </a:p>
+        </p:txBody>
+      </p:sp>
+      <p:sp>
+        <p:nvSpPr>
+          <p:cNvPr id="4" name="Slide Number Placeholder 3"/>
+          <p:cNvSpPr>
+            <a:spLocks noGrp="1"/>
+          </p:cNvSpPr>
+          <p:nvPr>
+            <p:ph type="sldNum" sz="quarter" idx="10"/>
+          </p:nvPr>
+        </p:nvSpPr>
+        <p:spPr/>
+        <p:txBody>
+          <a:bodyPr/>
+          <a:lstStyle/>
+          <a:p>
+            <a:fld id="{6AFC80D5-740B-4CAF-B407-EC08971373CE}" type="slidenum">
+              <a:rPr lang="en-US" smtClean="0"/>
+              <a:pPr/>
+              <a:t>3</a:t>
+            </a:fld>
+            <a:endParaRPr lang="en-US" dirty="0"/>
+          </a:p>
+        </p:txBody>
+      </p:sp>
+    </p:spTree>
+    <p:extLst>
+      <p:ext uri="{BB962C8B-B14F-4D97-AF65-F5344CB8AC3E}">
+        <p14:creationId xmlns:p14="http://schemas.microsoft.com/office/powerpoint/2010/main" val="2108043768"/>
+      </p:ext>
+    </p:extLst>
+  </p:cSld>
+  <p:clrMapOvr>
+    <a:masterClrMapping/>
+  </p:clrMapOvr>
+</p:notes>
+</file>
+
 <file path=ppt/slideLayouts/slideLayout1.xml><?xml version="1.0" encoding="utf-8"?>
 <p:sldLayout xmlns:a="http://schemas.openxmlformats.org/drawingml/2006/main" xmlns:r="http://schemas.openxmlformats.org/officeDocument/2006/relationships" xmlns:p="http://schemas.openxmlformats.org/presentationml/2006/main" preserve="1" userDrawn="1">
   <p:cSld name="Title Slide">
@@ -1963,7 +2049,7 @@
           <a:noFill/>
           <a:extLst>
             <a:ext uri="{909E8E84-426E-40dd-AFC4-6F175D3DCCD1}">
-              <a14:hiddenFill xmlns:a14="http://schemas.microsoft.com/office/drawing/2010/main" xmlns="">
+              <a14:hiddenFill xmlns="" xmlns:a14="http://schemas.microsoft.com/office/drawing/2010/main">
                 <a:solidFill>
                   <a:srgbClr val="FFFFFF"/>
                 </a:solidFill>
@@ -10473,6 +10559,464 @@
           <a:chExt cx="0" cy="0"/>
         </a:xfrm>
       </p:grpSpPr>
+      <p:pic>
+        <p:nvPicPr>
+          <p:cNvPr id="8" name="Picture 7"/>
+          <p:cNvPicPr>
+            <a:picLocks noChangeAspect="1"/>
+          </p:cNvPicPr>
+          <p:nvPr/>
+        </p:nvPicPr>
+        <p:blipFill>
+          <a:blip r:embed="rId2"/>
+          <a:stretch>
+            <a:fillRect/>
+          </a:stretch>
+        </p:blipFill>
+        <p:spPr>
+          <a:xfrm>
+            <a:off x="503106" y="1776667"/>
+            <a:ext cx="8412293" cy="4177295"/>
+          </a:xfrm>
+          <a:prstGeom prst="rect">
+            <a:avLst/>
+          </a:prstGeom>
+        </p:spPr>
+      </p:pic>
+      <p:sp>
+        <p:nvSpPr>
+          <p:cNvPr id="2" name="Text Placeholder 1"/>
+          <p:cNvSpPr>
+            <a:spLocks noGrp="1"/>
+          </p:cNvSpPr>
+          <p:nvPr>
+            <p:ph type="body" sz="quarter" idx="12"/>
+          </p:nvPr>
+        </p:nvSpPr>
+        <p:spPr/>
+        <p:txBody>
+          <a:bodyPr/>
+          <a:lstStyle/>
+          <a:p>
+            <a:pPr marL="342900" indent="-342900">
+              <a:buFont typeface="Arial" charset="0"/>
+              <a:buChar char="•"/>
+            </a:pPr>
+            <a:r>
+              <a:rPr lang="en-US" dirty="0" smtClean="0">
+                <a:solidFill>
+                  <a:srgbClr val="FF0000"/>
+                </a:solidFill>
+              </a:rPr>
+              <a:t>Uses </a:t>
+            </a:r>
+            <a:r>
+              <a:rPr lang="en-US" dirty="0" err="1" smtClean="0">
+                <a:solidFill>
+                  <a:srgbClr val="FF0000"/>
+                </a:solidFill>
+              </a:rPr>
+              <a:t>React.createClass</a:t>
+            </a:r>
+            <a:endParaRPr lang="en-US" dirty="0" smtClean="0">
+              <a:solidFill>
+                <a:srgbClr val="FF0000"/>
+              </a:solidFill>
+            </a:endParaRPr>
+          </a:p>
+          <a:p>
+            <a:pPr marL="342900" indent="-342900">
+              <a:buFont typeface="Arial" charset="0"/>
+              <a:buChar char="•"/>
+            </a:pPr>
+            <a:endParaRPr lang="en-US" dirty="0"/>
+          </a:p>
+          <a:p>
+            <a:pPr marL="342900" indent="-342900">
+              <a:buFont typeface="Arial" charset="0"/>
+              <a:buChar char="•"/>
+            </a:pPr>
+            <a:endParaRPr lang="en-US" dirty="0" smtClean="0"/>
+          </a:p>
+          <a:p>
+            <a:pPr marL="342900" indent="-342900">
+              <a:buFont typeface="Arial" charset="0"/>
+              <a:buChar char="•"/>
+            </a:pPr>
+            <a:endParaRPr lang="en-US" dirty="0"/>
+          </a:p>
+          <a:p>
+            <a:pPr marL="342900" indent="-342900">
+              <a:buFont typeface="Arial" charset="0"/>
+              <a:buChar char="•"/>
+            </a:pPr>
+            <a:endParaRPr lang="en-US" dirty="0" smtClean="0"/>
+          </a:p>
+          <a:p>
+            <a:pPr marL="342900" indent="-342900">
+              <a:buFont typeface="Arial" charset="0"/>
+              <a:buChar char="•"/>
+            </a:pPr>
+            <a:endParaRPr lang="en-US" dirty="0" smtClean="0"/>
+          </a:p>
+        </p:txBody>
+      </p:sp>
+      <p:sp>
+        <p:nvSpPr>
+          <p:cNvPr id="3" name="Title 2"/>
+          <p:cNvSpPr>
+            <a:spLocks noGrp="1"/>
+          </p:cNvSpPr>
+          <p:nvPr>
+            <p:ph type="title"/>
+          </p:nvPr>
+        </p:nvSpPr>
+        <p:spPr/>
+        <p:txBody>
+          <a:bodyPr/>
+          <a:lstStyle/>
+          <a:p>
+            <a:r>
+              <a:rPr lang="en-US" dirty="0" smtClean="0"/>
+              <a:t>Three Ways </a:t>
+            </a:r>
+            <a:r>
+              <a:rPr lang="mr-IN" dirty="0" smtClean="0"/>
+              <a:t>–</a:t>
+            </a:r>
+            <a:r>
+              <a:rPr lang="en-US" dirty="0" smtClean="0"/>
+              <a:t> </a:t>
+            </a:r>
+            <a:r>
+              <a:rPr lang="en-US" dirty="0" err="1" smtClean="0"/>
+              <a:t>CreateClass</a:t>
+            </a:r>
+            <a:r>
+              <a:rPr lang="en-US" dirty="0" smtClean="0"/>
+              <a:t> - </a:t>
+            </a:r>
+            <a:r>
+              <a:rPr lang="en-US" dirty="0" smtClean="0">
+                <a:solidFill>
+                  <a:srgbClr val="FF0000"/>
+                </a:solidFill>
+              </a:rPr>
+              <a:t>DEPRECATED</a:t>
+            </a:r>
+            <a:endParaRPr lang="en-US" dirty="0">
+              <a:solidFill>
+                <a:srgbClr val="FF0000"/>
+              </a:solidFill>
+            </a:endParaRPr>
+          </a:p>
+        </p:txBody>
+      </p:sp>
+      <p:grpSp>
+        <p:nvGrpSpPr>
+          <p:cNvPr id="5" name="Group 4"/>
+          <p:cNvGrpSpPr/>
+          <p:nvPr/>
+        </p:nvGrpSpPr>
+        <p:grpSpPr>
+          <a:xfrm>
+            <a:off x="4343400" y="5410200"/>
+            <a:ext cx="2601722" cy="508000"/>
+            <a:chOff x="4104454" y="2435999"/>
+            <a:chExt cx="2601722" cy="508000"/>
+          </a:xfrm>
+        </p:grpSpPr>
+        <p:sp>
+          <p:nvSpPr>
+            <p:cNvPr id="6" name="TextBox 5"/>
+            <p:cNvSpPr txBox="1"/>
+            <p:nvPr/>
+          </p:nvSpPr>
+          <p:spPr>
+            <a:xfrm>
+              <a:off x="5265139" y="2667000"/>
+              <a:ext cx="1441037" cy="276999"/>
+            </a:xfrm>
+            <a:prstGeom prst="rect">
+              <a:avLst/>
+            </a:prstGeom>
+            <a:noFill/>
+          </p:spPr>
+          <p:txBody>
+            <a:bodyPr wrap="none" lIns="0" tIns="0" rIns="0" bIns="0" rtlCol="0">
+              <a:spAutoFit/>
+            </a:bodyPr>
+            <a:lstStyle/>
+            <a:p>
+              <a:pPr algn="ctr"/>
+              <a:r>
+                <a:rPr lang="en-US" dirty="0" smtClean="0">
+                  <a:solidFill>
+                    <a:srgbClr val="FF0000"/>
+                  </a:solidFill>
+                </a:rPr>
+                <a:t>Event Handler</a:t>
+              </a:r>
+            </a:p>
+          </p:txBody>
+        </p:sp>
+        <p:cxnSp>
+          <p:nvCxnSpPr>
+            <p:cNvPr id="7" name="Straight Arrow Connector 6"/>
+            <p:cNvCxnSpPr/>
+            <p:nvPr/>
+          </p:nvCxnSpPr>
+          <p:spPr>
+            <a:xfrm flipH="1" flipV="1">
+              <a:off x="4104454" y="2435999"/>
+              <a:ext cx="1077147" cy="369503"/>
+            </a:xfrm>
+            <a:prstGeom prst="straightConnector1">
+              <a:avLst/>
+            </a:prstGeom>
+            <a:ln w="38100">
+              <a:solidFill>
+                <a:srgbClr val="FF0000"/>
+              </a:solidFill>
+              <a:tailEnd type="triangle"/>
+            </a:ln>
+          </p:spPr>
+          <p:style>
+            <a:lnRef idx="1">
+              <a:schemeClr val="accent1"/>
+            </a:lnRef>
+            <a:fillRef idx="0">
+              <a:schemeClr val="accent1"/>
+            </a:fillRef>
+            <a:effectRef idx="0">
+              <a:schemeClr val="accent1"/>
+            </a:effectRef>
+            <a:fontRef idx="minor">
+              <a:schemeClr val="tx1"/>
+            </a:fontRef>
+          </p:style>
+        </p:cxnSp>
+      </p:grpSp>
+      <p:grpSp>
+        <p:nvGrpSpPr>
+          <p:cNvPr id="10" name="Group 9"/>
+          <p:cNvGrpSpPr/>
+          <p:nvPr/>
+        </p:nvGrpSpPr>
+        <p:grpSpPr>
+          <a:xfrm>
+            <a:off x="4392131" y="2286000"/>
+            <a:ext cx="2552991" cy="276999"/>
+            <a:chOff x="4038600" y="2667000"/>
+            <a:chExt cx="2552991" cy="276999"/>
+          </a:xfrm>
+        </p:grpSpPr>
+        <p:sp>
+          <p:nvSpPr>
+            <p:cNvPr id="11" name="TextBox 10"/>
+            <p:cNvSpPr txBox="1"/>
+            <p:nvPr/>
+          </p:nvSpPr>
+          <p:spPr>
+            <a:xfrm>
+              <a:off x="5379720" y="2667000"/>
+              <a:ext cx="1211871" cy="276999"/>
+            </a:xfrm>
+            <a:prstGeom prst="rect">
+              <a:avLst/>
+            </a:prstGeom>
+            <a:noFill/>
+          </p:spPr>
+          <p:txBody>
+            <a:bodyPr wrap="none" lIns="0" tIns="0" rIns="0" bIns="0" rtlCol="0">
+              <a:spAutoFit/>
+            </a:bodyPr>
+            <a:lstStyle/>
+            <a:p>
+              <a:pPr algn="ctr"/>
+              <a:r>
+                <a:rPr lang="en-US" smtClean="0">
+                  <a:solidFill>
+                    <a:srgbClr val="FF0000"/>
+                  </a:solidFill>
+                </a:rPr>
+                <a:t>Define state</a:t>
+              </a:r>
+              <a:endParaRPr lang="en-US" dirty="0" smtClean="0">
+                <a:solidFill>
+                  <a:srgbClr val="FF0000"/>
+                </a:solidFill>
+              </a:endParaRPr>
+            </a:p>
+          </p:txBody>
+        </p:sp>
+        <p:cxnSp>
+          <p:nvCxnSpPr>
+            <p:cNvPr id="12" name="Straight Arrow Connector 11"/>
+            <p:cNvCxnSpPr/>
+            <p:nvPr/>
+          </p:nvCxnSpPr>
+          <p:spPr>
+            <a:xfrm flipH="1" flipV="1">
+              <a:off x="4038600" y="2805499"/>
+              <a:ext cx="1143000" cy="1"/>
+            </a:xfrm>
+            <a:prstGeom prst="straightConnector1">
+              <a:avLst/>
+            </a:prstGeom>
+            <a:ln w="38100">
+              <a:solidFill>
+                <a:srgbClr val="FF0000"/>
+              </a:solidFill>
+              <a:tailEnd type="triangle"/>
+            </a:ln>
+          </p:spPr>
+          <p:style>
+            <a:lnRef idx="1">
+              <a:schemeClr val="accent1"/>
+            </a:lnRef>
+            <a:fillRef idx="0">
+              <a:schemeClr val="accent1"/>
+            </a:fillRef>
+            <a:effectRef idx="0">
+              <a:schemeClr val="accent1"/>
+            </a:effectRef>
+            <a:fontRef idx="minor">
+              <a:schemeClr val="tx1"/>
+            </a:fontRef>
+          </p:style>
+        </p:cxnSp>
+      </p:grpSp>
+      <p:grpSp>
+        <p:nvGrpSpPr>
+          <p:cNvPr id="13" name="Group 12"/>
+          <p:cNvGrpSpPr/>
+          <p:nvPr/>
+        </p:nvGrpSpPr>
+        <p:grpSpPr>
+          <a:xfrm>
+            <a:off x="5257800" y="3445775"/>
+            <a:ext cx="2913285" cy="472475"/>
+            <a:chOff x="4935315" y="4320401"/>
+            <a:chExt cx="2913285" cy="472475"/>
+          </a:xfrm>
+        </p:grpSpPr>
+        <p:sp>
+          <p:nvSpPr>
+            <p:cNvPr id="14" name="TextBox 13"/>
+            <p:cNvSpPr txBox="1"/>
+            <p:nvPr/>
+          </p:nvSpPr>
+          <p:spPr>
+            <a:xfrm>
+              <a:off x="6224758" y="4320401"/>
+              <a:ext cx="1623842" cy="276999"/>
+            </a:xfrm>
+            <a:prstGeom prst="rect">
+              <a:avLst/>
+            </a:prstGeom>
+            <a:noFill/>
+          </p:spPr>
+          <p:txBody>
+            <a:bodyPr wrap="none" lIns="0" tIns="0" rIns="0" bIns="0" rtlCol="0">
+              <a:spAutoFit/>
+            </a:bodyPr>
+            <a:lstStyle/>
+            <a:p>
+              <a:pPr algn="ctr"/>
+              <a:r>
+                <a:rPr lang="en-US" dirty="0" smtClean="0">
+                  <a:solidFill>
+                    <a:srgbClr val="FF0000"/>
+                  </a:solidFill>
+                </a:rPr>
+                <a:t>Reference props</a:t>
+              </a:r>
+            </a:p>
+          </p:txBody>
+        </p:sp>
+        <p:cxnSp>
+          <p:nvCxnSpPr>
+            <p:cNvPr id="15" name="Straight Arrow Connector 14"/>
+            <p:cNvCxnSpPr/>
+            <p:nvPr/>
+          </p:nvCxnSpPr>
+          <p:spPr>
+            <a:xfrm flipH="1">
+              <a:off x="4935315" y="4437451"/>
+              <a:ext cx="1019991" cy="355425"/>
+            </a:xfrm>
+            <a:prstGeom prst="straightConnector1">
+              <a:avLst/>
+            </a:prstGeom>
+            <a:ln w="38100">
+              <a:solidFill>
+                <a:srgbClr val="FF0000"/>
+              </a:solidFill>
+              <a:tailEnd type="triangle"/>
+            </a:ln>
+          </p:spPr>
+          <p:style>
+            <a:lnRef idx="1">
+              <a:schemeClr val="accent1"/>
+            </a:lnRef>
+            <a:fillRef idx="0">
+              <a:schemeClr val="accent1"/>
+            </a:fillRef>
+            <a:effectRef idx="0">
+              <a:schemeClr val="accent1"/>
+            </a:effectRef>
+            <a:fontRef idx="minor">
+              <a:schemeClr val="tx1"/>
+            </a:fontRef>
+          </p:style>
+        </p:cxnSp>
+      </p:grpSp>
+    </p:spTree>
+    <p:extLst>
+      <p:ext uri="{BB962C8B-B14F-4D97-AF65-F5344CB8AC3E}">
+        <p14:creationId xmlns:p14="http://schemas.microsoft.com/office/powerpoint/2010/main" val="188978365"/>
+      </p:ext>
+    </p:extLst>
+  </p:cSld>
+  <p:clrMapOvr>
+    <a:masterClrMapping/>
+  </p:clrMapOvr>
+  <mc:AlternateContent xmlns:mc="http://schemas.openxmlformats.org/markup-compatibility/2006" xmlns:p14="http://schemas.microsoft.com/office/powerpoint/2010/main">
+    <mc:Choice Requires="p14">
+      <p:transition p14:dur="0"/>
+    </mc:Choice>
+    <mc:Fallback xmlns="">
+      <p:transition/>
+    </mc:Fallback>
+  </mc:AlternateContent>
+  <p:timing>
+    <p:tnLst>
+      <p:par>
+        <p:cTn id="1" dur="indefinite" restart="never" nodeType="tmRoot"/>
+      </p:par>
+    </p:tnLst>
+  </p:timing>
+</p:sld>
+</file>
+
+<file path=ppt/slides/slide11.xml><?xml version="1.0" encoding="utf-8"?>
+<p:sld xmlns:a="http://schemas.openxmlformats.org/drawingml/2006/main" xmlns:r="http://schemas.openxmlformats.org/officeDocument/2006/relationships" xmlns:p="http://schemas.openxmlformats.org/presentationml/2006/main">
+  <p:cSld>
+    <p:spTree>
+      <p:nvGrpSpPr>
+        <p:cNvPr id="1" name=""/>
+        <p:cNvGrpSpPr/>
+        <p:nvPr/>
+      </p:nvGrpSpPr>
+      <p:grpSpPr>
+        <a:xfrm>
+          <a:off x="0" y="0"/>
+          <a:ext cx="0" cy="0"/>
+          <a:chOff x="0" y="0"/>
+          <a:chExt cx="0" cy="0"/>
+        </a:xfrm>
+      </p:grpSpPr>
       <p:sp>
         <p:nvSpPr>
           <p:cNvPr id="2" name="Text Placeholder 1"/>
@@ -10720,260 +11264,6 @@
 </p:sld>
 </file>
 
-<file path=ppt/slides/slide11.xml><?xml version="1.0" encoding="utf-8"?>
-<p:sld xmlns:a="http://schemas.openxmlformats.org/drawingml/2006/main" xmlns:r="http://schemas.openxmlformats.org/officeDocument/2006/relationships" xmlns:p="http://schemas.openxmlformats.org/presentationml/2006/main">
-  <p:cSld>
-    <p:spTree>
-      <p:nvGrpSpPr>
-        <p:cNvPr id="1" name=""/>
-        <p:cNvGrpSpPr/>
-        <p:nvPr/>
-      </p:nvGrpSpPr>
-      <p:grpSpPr>
-        <a:xfrm>
-          <a:off x="0" y="0"/>
-          <a:ext cx="0" cy="0"/>
-          <a:chOff x="0" y="0"/>
-          <a:chExt cx="0" cy="0"/>
-        </a:xfrm>
-      </p:grpSpPr>
-      <p:sp>
-        <p:nvSpPr>
-          <p:cNvPr id="2" name="Text Placeholder 1"/>
-          <p:cNvSpPr>
-            <a:spLocks noGrp="1"/>
-          </p:cNvSpPr>
-          <p:nvPr>
-            <p:ph type="body" sz="quarter" idx="12"/>
-          </p:nvPr>
-        </p:nvSpPr>
-        <p:spPr/>
-        <p:txBody>
-          <a:bodyPr/>
-          <a:lstStyle/>
-          <a:p>
-            <a:pPr marL="342900" indent="-342900">
-              <a:buFont typeface="Arial" charset="0"/>
-              <a:buChar char="•"/>
-            </a:pPr>
-            <a:r>
-              <a:rPr lang="en-US" dirty="0" smtClean="0"/>
-              <a:t>No State </a:t>
-            </a:r>
-          </a:p>
-          <a:p>
-            <a:pPr marL="631825" lvl="1" indent="-342900">
-              <a:buFont typeface="Arial" charset="0"/>
-              <a:buChar char="•"/>
-            </a:pPr>
-            <a:r>
-              <a:rPr lang="en-US" dirty="0" smtClean="0"/>
-              <a:t>No </a:t>
-            </a:r>
-            <a:r>
-              <a:rPr lang="en-US" dirty="0" smtClean="0">
-                <a:solidFill>
-                  <a:srgbClr val="FF0000"/>
-                </a:solidFill>
-              </a:rPr>
-              <a:t>this</a:t>
-            </a:r>
-            <a:r>
-              <a:rPr lang="en-US" dirty="0" smtClean="0"/>
-              <a:t> </a:t>
-            </a:r>
-          </a:p>
-          <a:p>
-            <a:pPr marL="631825" lvl="1" indent="-342900">
-              <a:buFont typeface="Arial" charset="0"/>
-              <a:buChar char="•"/>
-            </a:pPr>
-            <a:r>
-              <a:rPr lang="en-US" dirty="0" smtClean="0"/>
-              <a:t>Easy to test</a:t>
-            </a:r>
-          </a:p>
-          <a:p>
-            <a:pPr marL="917575" lvl="2" indent="-342900">
-              <a:buFont typeface="Arial" charset="0"/>
-              <a:buChar char="•"/>
-            </a:pPr>
-            <a:r>
-              <a:rPr lang="en-US" dirty="0" smtClean="0"/>
-              <a:t>No internal state</a:t>
-            </a:r>
-          </a:p>
-          <a:p>
-            <a:pPr marL="631825" lvl="1" indent="-342900">
-              <a:buFont typeface="Arial" charset="0"/>
-              <a:buChar char="•"/>
-            </a:pPr>
-            <a:r>
-              <a:rPr lang="en-US" dirty="0" smtClean="0"/>
-              <a:t>Functional Programming</a:t>
-            </a:r>
-          </a:p>
-          <a:p>
-            <a:pPr marL="917575" lvl="2" indent="-342900">
-              <a:buFont typeface="Arial" charset="0"/>
-              <a:buChar char="•"/>
-            </a:pPr>
-            <a:r>
-              <a:rPr lang="en-US" dirty="0" smtClean="0"/>
-              <a:t>Input </a:t>
-            </a:r>
-            <a:r>
-              <a:rPr lang="en-US" dirty="0" smtClean="0">
-                <a:sym typeface="Wingdings"/>
-              </a:rPr>
-              <a:t> process  output</a:t>
-            </a:r>
-          </a:p>
-          <a:p>
-            <a:pPr marL="917575" lvl="2" indent="-342900">
-              <a:buFont typeface="Arial" charset="0"/>
-              <a:buChar char="•"/>
-            </a:pPr>
-            <a:r>
-              <a:rPr lang="en-US" dirty="0" smtClean="0">
-                <a:sym typeface="Wingdings"/>
-              </a:rPr>
-              <a:t>Idempotent</a:t>
-            </a:r>
-          </a:p>
-          <a:p>
-            <a:pPr marL="342900" indent="-342900">
-              <a:buFont typeface="Arial" charset="0"/>
-              <a:buChar char="•"/>
-            </a:pPr>
-            <a:r>
-              <a:rPr lang="en-US" dirty="0" smtClean="0">
-                <a:sym typeface="Wingdings"/>
-              </a:rPr>
-              <a:t>All connections to Business Logic and Application State</a:t>
-            </a:r>
-          </a:p>
-          <a:p>
-            <a:pPr marL="631825" lvl="1" indent="-342900">
-              <a:buFont typeface="Arial" charset="0"/>
-              <a:buChar char="•"/>
-            </a:pPr>
-            <a:r>
-              <a:rPr lang="en-US" dirty="0" smtClean="0">
-                <a:sym typeface="Wingdings"/>
-              </a:rPr>
-              <a:t>Injected by the controller</a:t>
-            </a:r>
-          </a:p>
-          <a:p>
-            <a:pPr marL="342900" indent="-342900">
-              <a:buFont typeface="Arial" charset="0"/>
-              <a:buChar char="•"/>
-            </a:pPr>
-            <a:r>
-              <a:rPr lang="en-US" dirty="0" smtClean="0">
-                <a:sym typeface="Wingdings"/>
-              </a:rPr>
-              <a:t>Uses a Function(props) signature</a:t>
-            </a:r>
-          </a:p>
-          <a:p>
-            <a:pPr marL="342900" indent="-342900">
-              <a:buFont typeface="Arial" charset="0"/>
-              <a:buChar char="•"/>
-            </a:pPr>
-            <a:r>
-              <a:rPr lang="en-US" dirty="0" smtClean="0">
-                <a:solidFill>
-                  <a:srgbClr val="FF0000"/>
-                </a:solidFill>
-                <a:sym typeface="Wingdings"/>
-              </a:rPr>
-              <a:t>NO</a:t>
-            </a:r>
-            <a:r>
-              <a:rPr lang="en-US" dirty="0" smtClean="0">
-                <a:sym typeface="Wingdings"/>
-              </a:rPr>
-              <a:t> THIS (</a:t>
-            </a:r>
-            <a:r>
-              <a:rPr lang="en-US" dirty="0" smtClean="0">
-                <a:solidFill>
-                  <a:srgbClr val="FF0000"/>
-                </a:solidFill>
-                <a:sym typeface="Wingdings"/>
-              </a:rPr>
-              <a:t>this</a:t>
-            </a:r>
-            <a:r>
-              <a:rPr lang="en-US" dirty="0" smtClean="0">
-                <a:sym typeface="Wingdings"/>
-              </a:rPr>
-              <a:t>) in the function</a:t>
-            </a:r>
-            <a:endParaRPr lang="en-US" dirty="0" smtClean="0"/>
-          </a:p>
-          <a:p>
-            <a:pPr marL="342900" indent="-342900">
-              <a:buFont typeface="Arial" charset="0"/>
-              <a:buChar char="•"/>
-            </a:pPr>
-            <a:endParaRPr lang="en-US" dirty="0" smtClean="0"/>
-          </a:p>
-        </p:txBody>
-      </p:sp>
-      <p:sp>
-        <p:nvSpPr>
-          <p:cNvPr id="3" name="Title 2"/>
-          <p:cNvSpPr>
-            <a:spLocks noGrp="1"/>
-          </p:cNvSpPr>
-          <p:nvPr>
-            <p:ph type="title"/>
-          </p:nvPr>
-        </p:nvSpPr>
-        <p:spPr/>
-        <p:txBody>
-          <a:bodyPr/>
-          <a:lstStyle/>
-          <a:p>
-            <a:r>
-              <a:rPr lang="en-US" dirty="0" smtClean="0"/>
-              <a:t>Presentation Components</a:t>
-            </a:r>
-            <a:endParaRPr lang="en-US" dirty="0"/>
-          </a:p>
-        </p:txBody>
-      </p:sp>
-    </p:spTree>
-    <p:extLst>
-      <p:ext uri="{BB962C8B-B14F-4D97-AF65-F5344CB8AC3E}">
-        <p14:creationId xmlns:p14="http://schemas.microsoft.com/office/powerpoint/2010/main" val="814591797"/>
-      </p:ext>
-    </p:extLst>
-  </p:cSld>
-  <p:clrMapOvr>
-    <a:masterClrMapping/>
-  </p:clrMapOvr>
-  <mc:AlternateContent xmlns:mc="http://schemas.openxmlformats.org/markup-compatibility/2006" xmlns:p14="http://schemas.microsoft.com/office/powerpoint/2010/main">
-    <mc:Choice Requires="p14">
-      <p:transition p14:dur="0"/>
-    </mc:Choice>
-    <mc:Fallback xmlns="">
-      <p:transition/>
-    </mc:Fallback>
-  </mc:AlternateContent>
-  <p:timing>
-    <p:tnLst>
-      <p:par>
-        <p:cTn id="1" dur="indefinite" restart="never" nodeType="tmRoot"/>
-      </p:par>
-    </p:tnLst>
-  </p:timing>
-</p:sld>
-</file>
-
 <file path=ppt/slides/slide12.xml><?xml version="1.0" encoding="utf-8"?>
 <p:sld xmlns:a="http://schemas.openxmlformats.org/drawingml/2006/main" xmlns:r="http://schemas.openxmlformats.org/officeDocument/2006/relationships" xmlns:p="http://schemas.openxmlformats.org/presentationml/2006/main">
   <p:cSld>
@@ -11012,678 +11302,167 @@
             </a:pPr>
             <a:r>
               <a:rPr lang="en-US" dirty="0" smtClean="0"/>
-              <a:t>File </a:t>
+              <a:t>No State </a:t>
+            </a:r>
+          </a:p>
+          <a:p>
+            <a:pPr marL="631825" lvl="1" indent="-342900">
+              <a:buFont typeface="Arial" charset="0"/>
+              <a:buChar char="•"/>
+            </a:pPr>
+            <a:r>
+              <a:rPr lang="en-US" dirty="0" smtClean="0"/>
+              <a:t>No </a:t>
+            </a:r>
+            <a:r>
+              <a:rPr lang="en-US" dirty="0" smtClean="0">
+                <a:solidFill>
+                  <a:srgbClr val="FF0000"/>
+                </a:solidFill>
+              </a:rPr>
+              <a:t>this</a:t>
+            </a:r>
+            <a:r>
+              <a:rPr lang="en-US" dirty="0" smtClean="0"/>
+              <a:t> </a:t>
+            </a:r>
+          </a:p>
+          <a:p>
+            <a:pPr marL="631825" lvl="1" indent="-342900">
+              <a:buFont typeface="Arial" charset="0"/>
+              <a:buChar char="•"/>
+            </a:pPr>
+            <a:r>
+              <a:rPr lang="en-US" dirty="0" smtClean="0"/>
+              <a:t>Easy to test</a:t>
+            </a:r>
+          </a:p>
+          <a:p>
+            <a:pPr marL="917575" lvl="2" indent="-342900">
+              <a:buFont typeface="Arial" charset="0"/>
+              <a:buChar char="•"/>
+            </a:pPr>
+            <a:r>
+              <a:rPr lang="en-US" dirty="0" smtClean="0"/>
+              <a:t>No internal state</a:t>
+            </a:r>
+          </a:p>
+          <a:p>
+            <a:pPr marL="631825" lvl="1" indent="-342900">
+              <a:buFont typeface="Arial" charset="0"/>
+              <a:buChar char="•"/>
+            </a:pPr>
+            <a:r>
+              <a:rPr lang="en-US" dirty="0" smtClean="0"/>
+              <a:t>Functional Programming</a:t>
+            </a:r>
+          </a:p>
+          <a:p>
+            <a:pPr marL="917575" lvl="2" indent="-342900">
+              <a:buFont typeface="Arial" charset="0"/>
+              <a:buChar char="•"/>
+            </a:pPr>
+            <a:r>
+              <a:rPr lang="en-US" dirty="0" smtClean="0"/>
+              <a:t>Input </a:t>
             </a:r>
             <a:r>
               <a:rPr lang="en-US" dirty="0" smtClean="0">
                 <a:sym typeface="Wingdings"/>
               </a:rPr>
-              <a:t> </a:t>
-            </a:r>
-            <a:r>
-              <a:rPr lang="en-US" dirty="0" err="1" smtClean="0">
-                <a:solidFill>
-                  <a:srgbClr val="FF0000"/>
-                </a:solidFill>
-                <a:sym typeface="Wingdings"/>
-              </a:rPr>
-              <a:t>TodoList.js</a:t>
-            </a:r>
+              <a:t> process  output</a:t>
+            </a:r>
+          </a:p>
+          <a:p>
+            <a:pPr marL="917575" lvl="2" indent="-342900">
+              <a:buFont typeface="Arial" charset="0"/>
+              <a:buChar char="•"/>
+            </a:pPr>
             <a:r>
               <a:rPr lang="en-US" dirty="0" smtClean="0">
                 <a:sym typeface="Wingdings"/>
               </a:rPr>
-              <a:t> </a:t>
-            </a:r>
-          </a:p>
-          <a:p>
-            <a:pPr marL="1203325" lvl="3" indent="-342900">
+              <a:t>Idempotent</a:t>
+            </a:r>
+          </a:p>
+          <a:p>
+            <a:pPr marL="342900" indent="-342900">
               <a:buFont typeface="Arial" charset="0"/>
               <a:buChar char="•"/>
             </a:pPr>
             <a:r>
-              <a:rPr lang="mr-IN" b="1" dirty="0" err="1">
-                <a:solidFill>
-                  <a:srgbClr val="000080"/>
-                </a:solidFill>
-              </a:rPr>
-              <a:t>function</a:t>
-            </a:r>
-            <a:r>
-              <a:rPr lang="mr-IN" b="1" dirty="0">
-                <a:solidFill>
-                  <a:srgbClr val="000080"/>
-                </a:solidFill>
-              </a:rPr>
-              <a:t> </a:t>
-            </a:r>
-            <a:r>
-              <a:rPr lang="mr-IN" i="1" dirty="0" err="1"/>
-              <a:t>TodoList</a:t>
-            </a:r>
-            <a:r>
-              <a:rPr lang="mr-IN" dirty="0"/>
-              <a:t>( </a:t>
-            </a:r>
-            <a:r>
-              <a:rPr lang="mr-IN" dirty="0" err="1"/>
-              <a:t>props</a:t>
-            </a:r>
-            <a:r>
-              <a:rPr lang="mr-IN" dirty="0"/>
-              <a:t> ) {</a:t>
-            </a:r>
-            <a:br>
-              <a:rPr lang="mr-IN" dirty="0"/>
-            </a:br>
-            <a:r>
-              <a:rPr lang="mr-IN" dirty="0"/>
-              <a:t>        </a:t>
-            </a:r>
-            <a:r>
-              <a:rPr lang="mr-IN" b="1" dirty="0" err="1">
-                <a:solidFill>
-                  <a:srgbClr val="000080"/>
-                </a:solidFill>
-              </a:rPr>
-              <a:t>return</a:t>
-            </a:r>
-            <a:r>
-              <a:rPr lang="mr-IN" b="1" dirty="0">
-                <a:solidFill>
-                  <a:srgbClr val="000080"/>
-                </a:solidFill>
-              </a:rPr>
-              <a:t> </a:t>
-            </a:r>
-            <a:r>
-              <a:rPr lang="mr-IN" dirty="0"/>
-              <a:t>(</a:t>
-            </a:r>
-            <a:br>
-              <a:rPr lang="mr-IN" dirty="0"/>
-            </a:br>
-            <a:r>
-              <a:rPr lang="mr-IN" dirty="0"/>
-              <a:t>            &lt;</a:t>
-            </a:r>
-            <a:r>
-              <a:rPr lang="mr-IN" b="1" dirty="0" err="1">
-                <a:solidFill>
-                  <a:srgbClr val="000080"/>
-                </a:solidFill>
-              </a:rPr>
-              <a:t>div</a:t>
-            </a:r>
-            <a:r>
-              <a:rPr lang="mr-IN" b="1" dirty="0">
-                <a:solidFill>
-                  <a:srgbClr val="000080"/>
-                </a:solidFill>
-              </a:rPr>
-              <a:t> </a:t>
-            </a:r>
-            <a:r>
-              <a:rPr lang="mr-IN" b="1" dirty="0" err="1">
-                <a:solidFill>
-                  <a:srgbClr val="0000FF"/>
-                </a:solidFill>
-              </a:rPr>
-              <a:t>id</a:t>
-            </a:r>
-            <a:r>
-              <a:rPr lang="mr-IN" b="1" dirty="0">
-                <a:solidFill>
-                  <a:srgbClr val="008000"/>
-                </a:solidFill>
-              </a:rPr>
-              <a:t>="</a:t>
-            </a:r>
-            <a:r>
-              <a:rPr lang="mr-IN" b="1" dirty="0" err="1">
-                <a:solidFill>
-                  <a:srgbClr val="008000"/>
-                </a:solidFill>
-              </a:rPr>
-              <a:t>layout</a:t>
-            </a:r>
-            <a:r>
-              <a:rPr lang="mr-IN" b="1" dirty="0">
-                <a:solidFill>
-                  <a:srgbClr val="008000"/>
-                </a:solidFill>
-              </a:rPr>
-              <a:t>"</a:t>
-            </a:r>
-            <a:r>
-              <a:rPr lang="mr-IN" dirty="0"/>
-              <a:t>&gt;</a:t>
-            </a:r>
-            <a:br>
-              <a:rPr lang="mr-IN" dirty="0"/>
-            </a:br>
-            <a:r>
-              <a:rPr lang="mr-IN" dirty="0"/>
-              <a:t>                &lt;</a:t>
-            </a:r>
-            <a:r>
-              <a:rPr lang="mr-IN" b="1" dirty="0">
-                <a:solidFill>
-                  <a:srgbClr val="000080"/>
-                </a:solidFill>
-              </a:rPr>
-              <a:t>h1 </a:t>
-            </a:r>
-            <a:r>
-              <a:rPr lang="mr-IN" b="1" dirty="0" err="1">
-                <a:solidFill>
-                  <a:srgbClr val="0000FF"/>
-                </a:solidFill>
-              </a:rPr>
-              <a:t>id</a:t>
-            </a:r>
-            <a:r>
-              <a:rPr lang="mr-IN" b="1" dirty="0">
-                <a:solidFill>
-                  <a:srgbClr val="008000"/>
-                </a:solidFill>
-              </a:rPr>
-              <a:t>="</a:t>
-            </a:r>
-            <a:r>
-              <a:rPr lang="mr-IN" b="1" dirty="0" err="1">
-                <a:solidFill>
-                  <a:srgbClr val="008000"/>
-                </a:solidFill>
-              </a:rPr>
-              <a:t>page-title</a:t>
-            </a:r>
-            <a:r>
-              <a:rPr lang="mr-IN" b="1" dirty="0">
-                <a:solidFill>
-                  <a:srgbClr val="008000"/>
-                </a:solidFill>
-              </a:rPr>
-              <a:t>"</a:t>
-            </a:r>
-            <a:r>
-              <a:rPr lang="mr-IN" dirty="0"/>
-              <a:t>&gt;Express </a:t>
-            </a:r>
-            <a:r>
-              <a:rPr lang="mr-IN" dirty="0" err="1"/>
-              <a:t>Todo</a:t>
-            </a:r>
-            <a:r>
-              <a:rPr lang="mr-IN" dirty="0"/>
-              <a:t>&lt;/</a:t>
-            </a:r>
-            <a:r>
-              <a:rPr lang="mr-IN" b="1" dirty="0">
-                <a:solidFill>
-                  <a:srgbClr val="000080"/>
-                </a:solidFill>
-              </a:rPr>
-              <a:t>h1</a:t>
-            </a:r>
-            <a:r>
-              <a:rPr lang="mr-IN" dirty="0"/>
-              <a:t>&gt;</a:t>
-            </a:r>
-            <a:br>
-              <a:rPr lang="mr-IN" dirty="0"/>
-            </a:br>
-            <a:r>
-              <a:rPr lang="mr-IN" dirty="0"/>
-              <a:t>                &lt;</a:t>
-            </a:r>
-            <a:r>
-              <a:rPr lang="mr-IN" b="1" dirty="0" err="1">
-                <a:solidFill>
-                  <a:srgbClr val="000080"/>
-                </a:solidFill>
-              </a:rPr>
-              <a:t>div</a:t>
-            </a:r>
-            <a:r>
-              <a:rPr lang="mr-IN" b="1" dirty="0">
-                <a:solidFill>
-                  <a:srgbClr val="000080"/>
-                </a:solidFill>
-              </a:rPr>
-              <a:t> </a:t>
-            </a:r>
-            <a:r>
-              <a:rPr lang="mr-IN" b="1" dirty="0" err="1">
-                <a:solidFill>
-                  <a:srgbClr val="0000FF"/>
-                </a:solidFill>
-              </a:rPr>
-              <a:t>id</a:t>
-            </a:r>
-            <a:r>
-              <a:rPr lang="mr-IN" b="1" dirty="0">
-                <a:solidFill>
-                  <a:srgbClr val="008000"/>
-                </a:solidFill>
-              </a:rPr>
-              <a:t>="</a:t>
-            </a:r>
-            <a:r>
-              <a:rPr lang="mr-IN" b="1" dirty="0" err="1">
-                <a:solidFill>
-                  <a:srgbClr val="008000"/>
-                </a:solidFill>
-              </a:rPr>
-              <a:t>list</a:t>
-            </a:r>
-            <a:r>
-              <a:rPr lang="mr-IN" b="1" dirty="0" smtClean="0">
-                <a:solidFill>
-                  <a:srgbClr val="008000"/>
-                </a:solidFill>
-              </a:rPr>
-              <a:t>"</a:t>
-            </a:r>
-            <a:r>
-              <a:rPr lang="mr-IN" dirty="0" smtClean="0"/>
-              <a:t>&gt;</a:t>
-            </a:r>
-            <a:r>
-              <a:rPr lang="mr-IN" dirty="0"/>
-              <a:t/>
-            </a:r>
-            <a:br>
-              <a:rPr lang="mr-IN" dirty="0"/>
-            </a:br>
-            <a:r>
-              <a:rPr lang="mr-IN" dirty="0"/>
-              <a:t>                    &lt;</a:t>
-            </a:r>
-            <a:r>
-              <a:rPr lang="mr-IN" b="1" dirty="0" err="1">
-                <a:solidFill>
-                  <a:srgbClr val="000080"/>
-                </a:solidFill>
-              </a:rPr>
-              <a:t>TodoInput</a:t>
-            </a:r>
-            <a:r>
-              <a:rPr lang="mr-IN" b="1" dirty="0">
-                <a:solidFill>
-                  <a:srgbClr val="000080"/>
-                </a:solidFill>
-              </a:rPr>
-              <a:t> </a:t>
-            </a:r>
-            <a:r>
-              <a:rPr lang="mr-IN" b="1" dirty="0" err="1">
-                <a:solidFill>
-                  <a:srgbClr val="0000FF"/>
-                </a:solidFill>
-              </a:rPr>
-              <a:t>addTodo</a:t>
-            </a:r>
-            <a:r>
-              <a:rPr lang="mr-IN" b="1" dirty="0">
-                <a:solidFill>
-                  <a:srgbClr val="008000"/>
-                </a:solidFill>
-              </a:rPr>
-              <a:t>=</a:t>
-            </a:r>
-            <a:r>
-              <a:rPr lang="mr-IN" dirty="0"/>
-              <a:t>{</a:t>
-            </a:r>
-            <a:r>
-              <a:rPr lang="mr-IN" dirty="0" err="1"/>
-              <a:t>props.</a:t>
-            </a:r>
-            <a:r>
-              <a:rPr lang="mr-IN" dirty="0" err="1">
-                <a:solidFill>
-                  <a:srgbClr val="7A7A43"/>
-                </a:solidFill>
-              </a:rPr>
-              <a:t>addTodo</a:t>
-            </a:r>
-            <a:r>
-              <a:rPr lang="mr-IN" dirty="0"/>
-              <a:t>} /&gt;</a:t>
-            </a:r>
-            <a:br>
-              <a:rPr lang="mr-IN" dirty="0"/>
-            </a:br>
-            <a:r>
-              <a:rPr lang="mr-IN" dirty="0"/>
-              <a:t/>
-            </a:r>
-            <a:br>
-              <a:rPr lang="mr-IN" dirty="0"/>
-            </a:br>
-            <a:r>
-              <a:rPr lang="mr-IN" dirty="0"/>
-              <a:t>                    {</a:t>
-            </a:r>
-            <a:r>
-              <a:rPr lang="mr-IN" dirty="0" err="1"/>
-              <a:t>props.</a:t>
-            </a:r>
-            <a:r>
-              <a:rPr lang="mr-IN" b="1" dirty="0" err="1">
-                <a:solidFill>
-                  <a:srgbClr val="660E7A"/>
-                </a:solidFill>
-              </a:rPr>
-              <a:t>todos</a:t>
-            </a:r>
-            <a:r>
-              <a:rPr lang="mr-IN" dirty="0" err="1"/>
-              <a:t>.</a:t>
-            </a:r>
-            <a:r>
-              <a:rPr lang="mr-IN" b="1" dirty="0" err="1">
-                <a:solidFill>
-                  <a:srgbClr val="660E7A"/>
-                </a:solidFill>
-              </a:rPr>
-              <a:t>map</a:t>
-            </a:r>
-            <a:r>
-              <a:rPr lang="mr-IN" dirty="0"/>
-              <a:t>( </a:t>
-            </a:r>
-            <a:r>
-              <a:rPr lang="mr-IN" b="1" dirty="0" err="1">
-                <a:solidFill>
-                  <a:srgbClr val="000080"/>
-                </a:solidFill>
-              </a:rPr>
-              <a:t>function</a:t>
-            </a:r>
-            <a:r>
-              <a:rPr lang="mr-IN" dirty="0"/>
-              <a:t>( </a:t>
-            </a:r>
-            <a:r>
-              <a:rPr lang="mr-IN" dirty="0" err="1"/>
-              <a:t>todo</a:t>
-            </a:r>
-            <a:r>
-              <a:rPr lang="mr-IN" dirty="0"/>
-              <a:t>, </a:t>
-            </a:r>
-            <a:r>
-              <a:rPr lang="mr-IN" dirty="0" err="1"/>
-              <a:t>idx</a:t>
-            </a:r>
-            <a:r>
-              <a:rPr lang="mr-IN" dirty="0"/>
-              <a:t> ) {</a:t>
-            </a:r>
-            <a:br>
-              <a:rPr lang="mr-IN" dirty="0"/>
-            </a:br>
-            <a:r>
-              <a:rPr lang="mr-IN" dirty="0"/>
-              <a:t>                        </a:t>
-            </a:r>
-            <a:r>
-              <a:rPr lang="mr-IN" b="1" dirty="0" err="1">
-                <a:solidFill>
-                  <a:srgbClr val="000080"/>
-                </a:solidFill>
-              </a:rPr>
-              <a:t>return</a:t>
-            </a:r>
-            <a:r>
-              <a:rPr lang="mr-IN" b="1" dirty="0">
-                <a:solidFill>
-                  <a:srgbClr val="000080"/>
-                </a:solidFill>
-              </a:rPr>
-              <a:t> </a:t>
-            </a:r>
-            <a:r>
-              <a:rPr lang="mr-IN" dirty="0"/>
-              <a:t>( </a:t>
-            </a:r>
-            <a:br>
-              <a:rPr lang="mr-IN" dirty="0"/>
-            </a:br>
-            <a:r>
-              <a:rPr lang="mr-IN" dirty="0"/>
-              <a:t>                            &lt;</a:t>
-            </a:r>
-            <a:r>
-              <a:rPr lang="mr-IN" b="1" dirty="0" err="1">
-                <a:solidFill>
-                  <a:srgbClr val="000080"/>
-                </a:solidFill>
-              </a:rPr>
-              <a:t>TodoItem</a:t>
-            </a:r>
-            <a:r>
-              <a:rPr lang="mr-IN" b="1" dirty="0">
-                <a:solidFill>
-                  <a:srgbClr val="000080"/>
-                </a:solidFill>
-              </a:rPr>
-              <a:t> </a:t>
-            </a:r>
-            <a:br>
-              <a:rPr lang="mr-IN" b="1" dirty="0">
-                <a:solidFill>
-                  <a:srgbClr val="000080"/>
-                </a:solidFill>
-              </a:rPr>
-            </a:br>
-            <a:r>
-              <a:rPr lang="mr-IN" b="1" dirty="0">
-                <a:solidFill>
-                  <a:srgbClr val="000080"/>
-                </a:solidFill>
-              </a:rPr>
-              <a:t>                                </a:t>
-            </a:r>
-            <a:r>
-              <a:rPr lang="mr-IN" b="1" dirty="0" err="1">
-                <a:solidFill>
-                  <a:srgbClr val="0000FF"/>
-                </a:solidFill>
-              </a:rPr>
-              <a:t>key</a:t>
-            </a:r>
-            <a:r>
-              <a:rPr lang="mr-IN" b="1" dirty="0">
-                <a:solidFill>
-                  <a:srgbClr val="008000"/>
-                </a:solidFill>
-              </a:rPr>
-              <a:t>=</a:t>
-            </a:r>
-            <a:r>
-              <a:rPr lang="mr-IN" dirty="0"/>
-              <a:t>{</a:t>
-            </a:r>
-            <a:r>
-              <a:rPr lang="mr-IN" dirty="0" err="1"/>
-              <a:t>idx</a:t>
-            </a:r>
-            <a:r>
-              <a:rPr lang="mr-IN" dirty="0"/>
-              <a:t>}</a:t>
-            </a:r>
-            <a:br>
-              <a:rPr lang="mr-IN" dirty="0"/>
-            </a:br>
-            <a:r>
-              <a:rPr lang="mr-IN" dirty="0"/>
-              <a:t>                                </a:t>
-            </a:r>
-            <a:r>
-              <a:rPr lang="mr-IN" b="1" dirty="0" err="1">
-                <a:solidFill>
-                  <a:srgbClr val="0000FF"/>
-                </a:solidFill>
-              </a:rPr>
-              <a:t>todo</a:t>
-            </a:r>
-            <a:r>
-              <a:rPr lang="mr-IN" b="1" dirty="0">
-                <a:solidFill>
-                  <a:srgbClr val="008000"/>
-                </a:solidFill>
-              </a:rPr>
-              <a:t>=</a:t>
-            </a:r>
-            <a:r>
-              <a:rPr lang="mr-IN" dirty="0"/>
-              <a:t>{</a:t>
-            </a:r>
-            <a:r>
-              <a:rPr lang="mr-IN" dirty="0" err="1"/>
-              <a:t>todo</a:t>
-            </a:r>
-            <a:r>
-              <a:rPr lang="mr-IN" dirty="0"/>
-              <a:t>}</a:t>
-            </a:r>
-            <a:br>
-              <a:rPr lang="mr-IN" dirty="0"/>
-            </a:br>
-            <a:r>
-              <a:rPr lang="mr-IN" dirty="0"/>
-              <a:t>                                </a:t>
-            </a:r>
-            <a:r>
-              <a:rPr lang="mr-IN" b="1" dirty="0" err="1">
-                <a:solidFill>
-                  <a:srgbClr val="0000FF"/>
-                </a:solidFill>
-              </a:rPr>
-              <a:t>update</a:t>
-            </a:r>
-            <a:r>
-              <a:rPr lang="mr-IN" b="1" dirty="0">
-                <a:solidFill>
-                  <a:srgbClr val="008000"/>
-                </a:solidFill>
-              </a:rPr>
-              <a:t>=</a:t>
-            </a:r>
-            <a:r>
-              <a:rPr lang="mr-IN" dirty="0"/>
-              <a:t>{</a:t>
-            </a:r>
-            <a:r>
-              <a:rPr lang="mr-IN" dirty="0" err="1"/>
-              <a:t>props.</a:t>
-            </a:r>
-            <a:r>
-              <a:rPr lang="mr-IN" i="1" dirty="0" err="1"/>
-              <a:t>update</a:t>
-            </a:r>
-            <a:r>
-              <a:rPr lang="mr-IN" dirty="0"/>
-              <a:t>}</a:t>
-            </a:r>
-            <a:br>
-              <a:rPr lang="mr-IN" dirty="0"/>
-            </a:br>
-            <a:r>
-              <a:rPr lang="mr-IN" dirty="0"/>
-              <a:t>                                </a:t>
-            </a:r>
-            <a:r>
-              <a:rPr lang="mr-IN" b="1" dirty="0" err="1">
-                <a:solidFill>
-                  <a:srgbClr val="0000FF"/>
-                </a:solidFill>
-              </a:rPr>
-              <a:t>remove</a:t>
-            </a:r>
-            <a:r>
-              <a:rPr lang="mr-IN" b="1" dirty="0">
-                <a:solidFill>
-                  <a:srgbClr val="008000"/>
-                </a:solidFill>
-              </a:rPr>
-              <a:t>=</a:t>
-            </a:r>
-            <a:r>
-              <a:rPr lang="mr-IN" dirty="0"/>
-              <a:t>{</a:t>
-            </a:r>
-            <a:r>
-              <a:rPr lang="mr-IN" dirty="0" err="1"/>
-              <a:t>props.</a:t>
-            </a:r>
-            <a:r>
-              <a:rPr lang="mr-IN" i="1" dirty="0" err="1"/>
-              <a:t>remove</a:t>
-            </a:r>
-            <a:r>
-              <a:rPr lang="mr-IN" dirty="0"/>
-              <a:t>} /&gt; );</a:t>
-            </a:r>
-            <a:br>
-              <a:rPr lang="mr-IN" dirty="0"/>
-            </a:br>
-            <a:r>
-              <a:rPr lang="mr-IN" dirty="0"/>
-              <a:t>                        })}</a:t>
-            </a:r>
-            <a:br>
-              <a:rPr lang="mr-IN" dirty="0"/>
-            </a:br>
-            <a:r>
-              <a:rPr lang="mr-IN" dirty="0"/>
-              <a:t>                &lt;/</a:t>
-            </a:r>
-            <a:r>
-              <a:rPr lang="mr-IN" b="1" dirty="0" err="1">
-                <a:solidFill>
-                  <a:srgbClr val="000080"/>
-                </a:solidFill>
-              </a:rPr>
-              <a:t>div</a:t>
-            </a:r>
-            <a:r>
-              <a:rPr lang="mr-IN" dirty="0"/>
-              <a:t>&gt;</a:t>
-            </a:r>
-            <a:br>
-              <a:rPr lang="mr-IN" dirty="0"/>
-            </a:br>
-            <a:r>
-              <a:rPr lang="mr-IN" dirty="0"/>
-              <a:t>            &lt;/</a:t>
-            </a:r>
-            <a:r>
-              <a:rPr lang="mr-IN" b="1" dirty="0" err="1">
-                <a:solidFill>
-                  <a:srgbClr val="000080"/>
-                </a:solidFill>
-              </a:rPr>
-              <a:t>div</a:t>
-            </a:r>
-            <a:r>
-              <a:rPr lang="mr-IN" dirty="0"/>
-              <a:t>&gt;</a:t>
-            </a:r>
-            <a:br>
-              <a:rPr lang="mr-IN" dirty="0"/>
-            </a:br>
-            <a:r>
-              <a:rPr lang="mr-IN" dirty="0"/>
-              <a:t>        </a:t>
-            </a:r>
-            <a:r>
-              <a:rPr lang="mr-IN" dirty="0" smtClean="0"/>
-              <a:t>)</a:t>
-            </a:r>
+              <a:rPr lang="en-US" dirty="0" smtClean="0">
+                <a:sym typeface="Wingdings"/>
+              </a:rPr>
+              <a:t>All connections to Business Logic and Application State</a:t>
+            </a:r>
+          </a:p>
+          <a:p>
+            <a:pPr marL="631825" lvl="1" indent="-342900">
+              <a:buFont typeface="Arial" charset="0"/>
+              <a:buChar char="•"/>
+            </a:pPr>
+            <a:r>
+              <a:rPr lang="en-US" dirty="0" smtClean="0">
+                <a:sym typeface="Wingdings"/>
+              </a:rPr>
+              <a:t>Injected by the controller</a:t>
+            </a:r>
+          </a:p>
+          <a:p>
+            <a:pPr marL="342900" indent="-342900">
+              <a:buFont typeface="Arial" charset="0"/>
+              <a:buChar char="•"/>
+            </a:pPr>
+            <a:r>
+              <a:rPr lang="en-US" dirty="0" smtClean="0">
+                <a:sym typeface="Wingdings"/>
+              </a:rPr>
+              <a:t>Uses a Function(props) signature</a:t>
+            </a:r>
+          </a:p>
+          <a:p>
+            <a:pPr marL="342900" indent="-342900">
+              <a:buFont typeface="Arial" charset="0"/>
+              <a:buChar char="•"/>
+            </a:pPr>
+            <a:r>
+              <a:rPr lang="en-US" dirty="0" smtClean="0">
+                <a:solidFill>
+                  <a:srgbClr val="FF0000"/>
+                </a:solidFill>
+                <a:sym typeface="Wingdings"/>
+              </a:rPr>
+              <a:t>NO</a:t>
+            </a:r>
+            <a:r>
+              <a:rPr lang="en-US" dirty="0" smtClean="0">
+                <a:sym typeface="Wingdings"/>
+              </a:rPr>
+              <a:t> THIS (</a:t>
+            </a:r>
+            <a:r>
+              <a:rPr lang="en-US" dirty="0" smtClean="0">
+                <a:solidFill>
+                  <a:srgbClr val="FF0000"/>
+                </a:solidFill>
+                <a:sym typeface="Wingdings"/>
+              </a:rPr>
+              <a:t>this</a:t>
+            </a:r>
+            <a:r>
+              <a:rPr lang="en-US" dirty="0" smtClean="0">
+                <a:sym typeface="Wingdings"/>
+              </a:rPr>
+              <a:t>) in the function</a:t>
+            </a:r>
+            <a:endParaRPr lang="en-US" dirty="0" smtClean="0"/>
+          </a:p>
+          <a:p>
+            <a:pPr marL="342900" indent="-342900">
+              <a:buFont typeface="Arial" charset="0"/>
+              <a:buChar char="•"/>
+            </a:pPr>
             <a:endParaRPr lang="en-US" dirty="0" smtClean="0"/>
           </a:p>
         </p:txBody>
@@ -11705,7 +11484,7 @@
           <a:p>
             <a:r>
               <a:rPr lang="en-US" dirty="0" smtClean="0"/>
-              <a:t>Example:</a:t>
+              <a:t>Presentation Components</a:t>
             </a:r>
             <a:endParaRPr lang="en-US" dirty="0"/>
           </a:p>
@@ -11714,7 +11493,7 @@
     </p:spTree>
     <p:extLst>
       <p:ext uri="{BB962C8B-B14F-4D97-AF65-F5344CB8AC3E}">
-        <p14:creationId xmlns:p14="http://schemas.microsoft.com/office/powerpoint/2010/main" val="332588596"/>
+        <p14:creationId xmlns:p14="http://schemas.microsoft.com/office/powerpoint/2010/main" val="814591797"/>
       </p:ext>
     </p:extLst>
   </p:cSld>
@@ -11777,6 +11556,771 @@
             </a:pPr>
             <a:r>
               <a:rPr lang="en-US" dirty="0" smtClean="0"/>
+              <a:t>File </a:t>
+            </a:r>
+            <a:r>
+              <a:rPr lang="en-US" dirty="0" smtClean="0">
+                <a:sym typeface="Wingdings"/>
+              </a:rPr>
+              <a:t> </a:t>
+            </a:r>
+            <a:r>
+              <a:rPr lang="en-US" dirty="0" err="1" smtClean="0">
+                <a:solidFill>
+                  <a:srgbClr val="FF0000"/>
+                </a:solidFill>
+                <a:sym typeface="Wingdings"/>
+              </a:rPr>
+              <a:t>TodoList.js</a:t>
+            </a:r>
+            <a:r>
+              <a:rPr lang="en-US" dirty="0" smtClean="0">
+                <a:sym typeface="Wingdings"/>
+              </a:rPr>
+              <a:t> </a:t>
+            </a:r>
+          </a:p>
+          <a:p>
+            <a:pPr marL="1203325" lvl="3" indent="-342900">
+              <a:buFont typeface="Arial" charset="0"/>
+              <a:buChar char="•"/>
+            </a:pPr>
+            <a:r>
+              <a:rPr lang="mr-IN" b="1" dirty="0" err="1">
+                <a:solidFill>
+                  <a:srgbClr val="000080"/>
+                </a:solidFill>
+              </a:rPr>
+              <a:t>function</a:t>
+            </a:r>
+            <a:r>
+              <a:rPr lang="mr-IN" b="1" dirty="0">
+                <a:solidFill>
+                  <a:srgbClr val="000080"/>
+                </a:solidFill>
+              </a:rPr>
+              <a:t> </a:t>
+            </a:r>
+            <a:r>
+              <a:rPr lang="mr-IN" i="1" dirty="0" err="1"/>
+              <a:t>TodoList</a:t>
+            </a:r>
+            <a:r>
+              <a:rPr lang="mr-IN" dirty="0"/>
+              <a:t>( </a:t>
+            </a:r>
+            <a:r>
+              <a:rPr lang="mr-IN" dirty="0" err="1"/>
+              <a:t>props</a:t>
+            </a:r>
+            <a:r>
+              <a:rPr lang="mr-IN" dirty="0"/>
+              <a:t> ) {</a:t>
+            </a:r>
+            <a:br>
+              <a:rPr lang="mr-IN" dirty="0"/>
+            </a:br>
+            <a:r>
+              <a:rPr lang="mr-IN" dirty="0"/>
+              <a:t>        </a:t>
+            </a:r>
+            <a:r>
+              <a:rPr lang="mr-IN" b="1" dirty="0" err="1">
+                <a:solidFill>
+                  <a:srgbClr val="000080"/>
+                </a:solidFill>
+              </a:rPr>
+              <a:t>return</a:t>
+            </a:r>
+            <a:r>
+              <a:rPr lang="mr-IN" b="1" dirty="0">
+                <a:solidFill>
+                  <a:srgbClr val="000080"/>
+                </a:solidFill>
+              </a:rPr>
+              <a:t> </a:t>
+            </a:r>
+            <a:r>
+              <a:rPr lang="mr-IN" dirty="0"/>
+              <a:t>(</a:t>
+            </a:r>
+            <a:br>
+              <a:rPr lang="mr-IN" dirty="0"/>
+            </a:br>
+            <a:r>
+              <a:rPr lang="mr-IN" dirty="0"/>
+              <a:t>            &lt;</a:t>
+            </a:r>
+            <a:r>
+              <a:rPr lang="mr-IN" b="1" dirty="0" err="1">
+                <a:solidFill>
+                  <a:srgbClr val="000080"/>
+                </a:solidFill>
+              </a:rPr>
+              <a:t>div</a:t>
+            </a:r>
+            <a:r>
+              <a:rPr lang="mr-IN" b="1" dirty="0">
+                <a:solidFill>
+                  <a:srgbClr val="000080"/>
+                </a:solidFill>
+              </a:rPr>
+              <a:t> </a:t>
+            </a:r>
+            <a:r>
+              <a:rPr lang="mr-IN" b="1" dirty="0" err="1">
+                <a:solidFill>
+                  <a:srgbClr val="0000FF"/>
+                </a:solidFill>
+              </a:rPr>
+              <a:t>id</a:t>
+            </a:r>
+            <a:r>
+              <a:rPr lang="mr-IN" b="1" dirty="0">
+                <a:solidFill>
+                  <a:srgbClr val="008000"/>
+                </a:solidFill>
+              </a:rPr>
+              <a:t>="</a:t>
+            </a:r>
+            <a:r>
+              <a:rPr lang="mr-IN" b="1" dirty="0" err="1">
+                <a:solidFill>
+                  <a:srgbClr val="008000"/>
+                </a:solidFill>
+              </a:rPr>
+              <a:t>layout</a:t>
+            </a:r>
+            <a:r>
+              <a:rPr lang="mr-IN" b="1" dirty="0">
+                <a:solidFill>
+                  <a:srgbClr val="008000"/>
+                </a:solidFill>
+              </a:rPr>
+              <a:t>"</a:t>
+            </a:r>
+            <a:r>
+              <a:rPr lang="mr-IN" dirty="0"/>
+              <a:t>&gt;</a:t>
+            </a:r>
+            <a:br>
+              <a:rPr lang="mr-IN" dirty="0"/>
+            </a:br>
+            <a:r>
+              <a:rPr lang="mr-IN" dirty="0"/>
+              <a:t>                &lt;</a:t>
+            </a:r>
+            <a:r>
+              <a:rPr lang="mr-IN" b="1" dirty="0">
+                <a:solidFill>
+                  <a:srgbClr val="000080"/>
+                </a:solidFill>
+              </a:rPr>
+              <a:t>h1 </a:t>
+            </a:r>
+            <a:r>
+              <a:rPr lang="mr-IN" b="1" dirty="0" err="1">
+                <a:solidFill>
+                  <a:srgbClr val="0000FF"/>
+                </a:solidFill>
+              </a:rPr>
+              <a:t>id</a:t>
+            </a:r>
+            <a:r>
+              <a:rPr lang="mr-IN" b="1" dirty="0">
+                <a:solidFill>
+                  <a:srgbClr val="008000"/>
+                </a:solidFill>
+              </a:rPr>
+              <a:t>="</a:t>
+            </a:r>
+            <a:r>
+              <a:rPr lang="mr-IN" b="1" dirty="0" err="1">
+                <a:solidFill>
+                  <a:srgbClr val="008000"/>
+                </a:solidFill>
+              </a:rPr>
+              <a:t>page-title</a:t>
+            </a:r>
+            <a:r>
+              <a:rPr lang="mr-IN" b="1" dirty="0">
+                <a:solidFill>
+                  <a:srgbClr val="008000"/>
+                </a:solidFill>
+              </a:rPr>
+              <a:t>"</a:t>
+            </a:r>
+            <a:r>
+              <a:rPr lang="mr-IN" dirty="0"/>
+              <a:t>&gt;Express </a:t>
+            </a:r>
+            <a:r>
+              <a:rPr lang="mr-IN" dirty="0" err="1"/>
+              <a:t>Todo</a:t>
+            </a:r>
+            <a:r>
+              <a:rPr lang="mr-IN" dirty="0"/>
+              <a:t>&lt;/</a:t>
+            </a:r>
+            <a:r>
+              <a:rPr lang="mr-IN" b="1" dirty="0">
+                <a:solidFill>
+                  <a:srgbClr val="000080"/>
+                </a:solidFill>
+              </a:rPr>
+              <a:t>h1</a:t>
+            </a:r>
+            <a:r>
+              <a:rPr lang="mr-IN" dirty="0"/>
+              <a:t>&gt;</a:t>
+            </a:r>
+            <a:br>
+              <a:rPr lang="mr-IN" dirty="0"/>
+            </a:br>
+            <a:r>
+              <a:rPr lang="mr-IN" dirty="0"/>
+              <a:t>                &lt;</a:t>
+            </a:r>
+            <a:r>
+              <a:rPr lang="mr-IN" b="1" dirty="0" err="1">
+                <a:solidFill>
+                  <a:srgbClr val="000080"/>
+                </a:solidFill>
+              </a:rPr>
+              <a:t>div</a:t>
+            </a:r>
+            <a:r>
+              <a:rPr lang="mr-IN" b="1" dirty="0">
+                <a:solidFill>
+                  <a:srgbClr val="000080"/>
+                </a:solidFill>
+              </a:rPr>
+              <a:t> </a:t>
+            </a:r>
+            <a:r>
+              <a:rPr lang="mr-IN" b="1" dirty="0" err="1">
+                <a:solidFill>
+                  <a:srgbClr val="0000FF"/>
+                </a:solidFill>
+              </a:rPr>
+              <a:t>id</a:t>
+            </a:r>
+            <a:r>
+              <a:rPr lang="mr-IN" b="1" dirty="0">
+                <a:solidFill>
+                  <a:srgbClr val="008000"/>
+                </a:solidFill>
+              </a:rPr>
+              <a:t>="</a:t>
+            </a:r>
+            <a:r>
+              <a:rPr lang="mr-IN" b="1" dirty="0" err="1">
+                <a:solidFill>
+                  <a:srgbClr val="008000"/>
+                </a:solidFill>
+              </a:rPr>
+              <a:t>list</a:t>
+            </a:r>
+            <a:r>
+              <a:rPr lang="mr-IN" b="1" dirty="0" smtClean="0">
+                <a:solidFill>
+                  <a:srgbClr val="008000"/>
+                </a:solidFill>
+              </a:rPr>
+              <a:t>"</a:t>
+            </a:r>
+            <a:r>
+              <a:rPr lang="mr-IN" dirty="0" smtClean="0"/>
+              <a:t>&gt;</a:t>
+            </a:r>
+            <a:r>
+              <a:rPr lang="mr-IN" dirty="0"/>
+              <a:t/>
+            </a:r>
+            <a:br>
+              <a:rPr lang="mr-IN" dirty="0"/>
+            </a:br>
+            <a:r>
+              <a:rPr lang="mr-IN" dirty="0"/>
+              <a:t>                    &lt;</a:t>
+            </a:r>
+            <a:r>
+              <a:rPr lang="mr-IN" b="1" dirty="0" err="1">
+                <a:solidFill>
+                  <a:srgbClr val="000080"/>
+                </a:solidFill>
+              </a:rPr>
+              <a:t>TodoInput</a:t>
+            </a:r>
+            <a:r>
+              <a:rPr lang="mr-IN" b="1" dirty="0">
+                <a:solidFill>
+                  <a:srgbClr val="000080"/>
+                </a:solidFill>
+              </a:rPr>
+              <a:t> </a:t>
+            </a:r>
+            <a:r>
+              <a:rPr lang="mr-IN" b="1" dirty="0" err="1">
+                <a:solidFill>
+                  <a:srgbClr val="0000FF"/>
+                </a:solidFill>
+              </a:rPr>
+              <a:t>addTodo</a:t>
+            </a:r>
+            <a:r>
+              <a:rPr lang="mr-IN" b="1" dirty="0">
+                <a:solidFill>
+                  <a:srgbClr val="008000"/>
+                </a:solidFill>
+              </a:rPr>
+              <a:t>=</a:t>
+            </a:r>
+            <a:r>
+              <a:rPr lang="mr-IN" dirty="0"/>
+              <a:t>{</a:t>
+            </a:r>
+            <a:r>
+              <a:rPr lang="mr-IN" dirty="0" err="1"/>
+              <a:t>props.</a:t>
+            </a:r>
+            <a:r>
+              <a:rPr lang="mr-IN" dirty="0" err="1">
+                <a:solidFill>
+                  <a:srgbClr val="7A7A43"/>
+                </a:solidFill>
+              </a:rPr>
+              <a:t>addTodo</a:t>
+            </a:r>
+            <a:r>
+              <a:rPr lang="mr-IN" dirty="0"/>
+              <a:t>} /&gt;</a:t>
+            </a:r>
+            <a:br>
+              <a:rPr lang="mr-IN" dirty="0"/>
+            </a:br>
+            <a:r>
+              <a:rPr lang="mr-IN" dirty="0"/>
+              <a:t/>
+            </a:r>
+            <a:br>
+              <a:rPr lang="mr-IN" dirty="0"/>
+            </a:br>
+            <a:r>
+              <a:rPr lang="mr-IN" dirty="0"/>
+              <a:t>                    {</a:t>
+            </a:r>
+            <a:r>
+              <a:rPr lang="mr-IN" dirty="0" err="1"/>
+              <a:t>props.</a:t>
+            </a:r>
+            <a:r>
+              <a:rPr lang="mr-IN" b="1" dirty="0" err="1">
+                <a:solidFill>
+                  <a:srgbClr val="660E7A"/>
+                </a:solidFill>
+              </a:rPr>
+              <a:t>todos</a:t>
+            </a:r>
+            <a:r>
+              <a:rPr lang="mr-IN" dirty="0" err="1"/>
+              <a:t>.</a:t>
+            </a:r>
+            <a:r>
+              <a:rPr lang="mr-IN" b="1" dirty="0" err="1">
+                <a:solidFill>
+                  <a:srgbClr val="660E7A"/>
+                </a:solidFill>
+              </a:rPr>
+              <a:t>map</a:t>
+            </a:r>
+            <a:r>
+              <a:rPr lang="mr-IN" dirty="0"/>
+              <a:t>( </a:t>
+            </a:r>
+            <a:r>
+              <a:rPr lang="mr-IN" b="1" dirty="0" err="1">
+                <a:solidFill>
+                  <a:srgbClr val="000080"/>
+                </a:solidFill>
+              </a:rPr>
+              <a:t>function</a:t>
+            </a:r>
+            <a:r>
+              <a:rPr lang="mr-IN" dirty="0"/>
+              <a:t>( </a:t>
+            </a:r>
+            <a:r>
+              <a:rPr lang="mr-IN" dirty="0" err="1"/>
+              <a:t>todo</a:t>
+            </a:r>
+            <a:r>
+              <a:rPr lang="mr-IN" dirty="0"/>
+              <a:t>, </a:t>
+            </a:r>
+            <a:r>
+              <a:rPr lang="mr-IN" dirty="0" err="1"/>
+              <a:t>idx</a:t>
+            </a:r>
+            <a:r>
+              <a:rPr lang="mr-IN" dirty="0"/>
+              <a:t> ) {</a:t>
+            </a:r>
+            <a:br>
+              <a:rPr lang="mr-IN" dirty="0"/>
+            </a:br>
+            <a:r>
+              <a:rPr lang="mr-IN" dirty="0"/>
+              <a:t>                        </a:t>
+            </a:r>
+            <a:r>
+              <a:rPr lang="mr-IN" b="1" dirty="0" err="1">
+                <a:solidFill>
+                  <a:srgbClr val="000080"/>
+                </a:solidFill>
+              </a:rPr>
+              <a:t>return</a:t>
+            </a:r>
+            <a:r>
+              <a:rPr lang="mr-IN" b="1" dirty="0">
+                <a:solidFill>
+                  <a:srgbClr val="000080"/>
+                </a:solidFill>
+              </a:rPr>
+              <a:t> </a:t>
+            </a:r>
+            <a:r>
+              <a:rPr lang="mr-IN" dirty="0"/>
+              <a:t>( </a:t>
+            </a:r>
+            <a:br>
+              <a:rPr lang="mr-IN" dirty="0"/>
+            </a:br>
+            <a:r>
+              <a:rPr lang="mr-IN" dirty="0"/>
+              <a:t>                            &lt;</a:t>
+            </a:r>
+            <a:r>
+              <a:rPr lang="mr-IN" b="1" dirty="0" err="1">
+                <a:solidFill>
+                  <a:srgbClr val="000080"/>
+                </a:solidFill>
+              </a:rPr>
+              <a:t>TodoItem</a:t>
+            </a:r>
+            <a:r>
+              <a:rPr lang="mr-IN" b="1" dirty="0">
+                <a:solidFill>
+                  <a:srgbClr val="000080"/>
+                </a:solidFill>
+              </a:rPr>
+              <a:t> </a:t>
+            </a:r>
+            <a:br>
+              <a:rPr lang="mr-IN" b="1" dirty="0">
+                <a:solidFill>
+                  <a:srgbClr val="000080"/>
+                </a:solidFill>
+              </a:rPr>
+            </a:br>
+            <a:r>
+              <a:rPr lang="mr-IN" b="1" dirty="0">
+                <a:solidFill>
+                  <a:srgbClr val="000080"/>
+                </a:solidFill>
+              </a:rPr>
+              <a:t>                                </a:t>
+            </a:r>
+            <a:r>
+              <a:rPr lang="mr-IN" b="1" dirty="0" err="1">
+                <a:solidFill>
+                  <a:srgbClr val="0000FF"/>
+                </a:solidFill>
+              </a:rPr>
+              <a:t>key</a:t>
+            </a:r>
+            <a:r>
+              <a:rPr lang="mr-IN" b="1" dirty="0">
+                <a:solidFill>
+                  <a:srgbClr val="008000"/>
+                </a:solidFill>
+              </a:rPr>
+              <a:t>=</a:t>
+            </a:r>
+            <a:r>
+              <a:rPr lang="mr-IN" dirty="0"/>
+              <a:t>{</a:t>
+            </a:r>
+            <a:r>
+              <a:rPr lang="mr-IN" dirty="0" err="1"/>
+              <a:t>idx</a:t>
+            </a:r>
+            <a:r>
+              <a:rPr lang="mr-IN" dirty="0"/>
+              <a:t>}</a:t>
+            </a:r>
+            <a:br>
+              <a:rPr lang="mr-IN" dirty="0"/>
+            </a:br>
+            <a:r>
+              <a:rPr lang="mr-IN" dirty="0"/>
+              <a:t>                                </a:t>
+            </a:r>
+            <a:r>
+              <a:rPr lang="mr-IN" b="1" dirty="0" err="1">
+                <a:solidFill>
+                  <a:srgbClr val="0000FF"/>
+                </a:solidFill>
+              </a:rPr>
+              <a:t>todo</a:t>
+            </a:r>
+            <a:r>
+              <a:rPr lang="mr-IN" b="1" dirty="0">
+                <a:solidFill>
+                  <a:srgbClr val="008000"/>
+                </a:solidFill>
+              </a:rPr>
+              <a:t>=</a:t>
+            </a:r>
+            <a:r>
+              <a:rPr lang="mr-IN" dirty="0"/>
+              <a:t>{</a:t>
+            </a:r>
+            <a:r>
+              <a:rPr lang="mr-IN" dirty="0" err="1"/>
+              <a:t>todo</a:t>
+            </a:r>
+            <a:r>
+              <a:rPr lang="mr-IN" dirty="0"/>
+              <a:t>}</a:t>
+            </a:r>
+            <a:br>
+              <a:rPr lang="mr-IN" dirty="0"/>
+            </a:br>
+            <a:r>
+              <a:rPr lang="mr-IN" dirty="0"/>
+              <a:t>                                </a:t>
+            </a:r>
+            <a:r>
+              <a:rPr lang="mr-IN" b="1" dirty="0" err="1">
+                <a:solidFill>
+                  <a:srgbClr val="0000FF"/>
+                </a:solidFill>
+              </a:rPr>
+              <a:t>update</a:t>
+            </a:r>
+            <a:r>
+              <a:rPr lang="mr-IN" b="1" dirty="0">
+                <a:solidFill>
+                  <a:srgbClr val="008000"/>
+                </a:solidFill>
+              </a:rPr>
+              <a:t>=</a:t>
+            </a:r>
+            <a:r>
+              <a:rPr lang="mr-IN" dirty="0"/>
+              <a:t>{</a:t>
+            </a:r>
+            <a:r>
+              <a:rPr lang="mr-IN" dirty="0" err="1"/>
+              <a:t>props.</a:t>
+            </a:r>
+            <a:r>
+              <a:rPr lang="mr-IN" i="1" dirty="0" err="1"/>
+              <a:t>update</a:t>
+            </a:r>
+            <a:r>
+              <a:rPr lang="mr-IN" dirty="0"/>
+              <a:t>}</a:t>
+            </a:r>
+            <a:br>
+              <a:rPr lang="mr-IN" dirty="0"/>
+            </a:br>
+            <a:r>
+              <a:rPr lang="mr-IN" dirty="0"/>
+              <a:t>                                </a:t>
+            </a:r>
+            <a:r>
+              <a:rPr lang="mr-IN" b="1" dirty="0" err="1">
+                <a:solidFill>
+                  <a:srgbClr val="0000FF"/>
+                </a:solidFill>
+              </a:rPr>
+              <a:t>remove</a:t>
+            </a:r>
+            <a:r>
+              <a:rPr lang="mr-IN" b="1" dirty="0">
+                <a:solidFill>
+                  <a:srgbClr val="008000"/>
+                </a:solidFill>
+              </a:rPr>
+              <a:t>=</a:t>
+            </a:r>
+            <a:r>
+              <a:rPr lang="mr-IN" dirty="0"/>
+              <a:t>{</a:t>
+            </a:r>
+            <a:r>
+              <a:rPr lang="mr-IN" dirty="0" err="1"/>
+              <a:t>props.</a:t>
+            </a:r>
+            <a:r>
+              <a:rPr lang="mr-IN" i="1" dirty="0" err="1"/>
+              <a:t>remove</a:t>
+            </a:r>
+            <a:r>
+              <a:rPr lang="mr-IN" dirty="0"/>
+              <a:t>} /&gt; );</a:t>
+            </a:r>
+            <a:br>
+              <a:rPr lang="mr-IN" dirty="0"/>
+            </a:br>
+            <a:r>
+              <a:rPr lang="mr-IN" dirty="0"/>
+              <a:t>                        })}</a:t>
+            </a:r>
+            <a:br>
+              <a:rPr lang="mr-IN" dirty="0"/>
+            </a:br>
+            <a:r>
+              <a:rPr lang="mr-IN" dirty="0"/>
+              <a:t>                &lt;/</a:t>
+            </a:r>
+            <a:r>
+              <a:rPr lang="mr-IN" b="1" dirty="0" err="1">
+                <a:solidFill>
+                  <a:srgbClr val="000080"/>
+                </a:solidFill>
+              </a:rPr>
+              <a:t>div</a:t>
+            </a:r>
+            <a:r>
+              <a:rPr lang="mr-IN" dirty="0"/>
+              <a:t>&gt;</a:t>
+            </a:r>
+            <a:br>
+              <a:rPr lang="mr-IN" dirty="0"/>
+            </a:br>
+            <a:r>
+              <a:rPr lang="mr-IN" dirty="0"/>
+              <a:t>            &lt;/</a:t>
+            </a:r>
+            <a:r>
+              <a:rPr lang="mr-IN" b="1" dirty="0" err="1">
+                <a:solidFill>
+                  <a:srgbClr val="000080"/>
+                </a:solidFill>
+              </a:rPr>
+              <a:t>div</a:t>
+            </a:r>
+            <a:r>
+              <a:rPr lang="mr-IN" dirty="0"/>
+              <a:t>&gt;</a:t>
+            </a:r>
+            <a:br>
+              <a:rPr lang="mr-IN" dirty="0"/>
+            </a:br>
+            <a:r>
+              <a:rPr lang="mr-IN" dirty="0"/>
+              <a:t>        </a:t>
+            </a:r>
+            <a:r>
+              <a:rPr lang="mr-IN" dirty="0" smtClean="0"/>
+              <a:t>)</a:t>
+            </a:r>
+            <a:endParaRPr lang="en-US" dirty="0" smtClean="0"/>
+          </a:p>
+        </p:txBody>
+      </p:sp>
+      <p:sp>
+        <p:nvSpPr>
+          <p:cNvPr id="3" name="Title 2"/>
+          <p:cNvSpPr>
+            <a:spLocks noGrp="1"/>
+          </p:cNvSpPr>
+          <p:nvPr>
+            <p:ph type="title"/>
+          </p:nvPr>
+        </p:nvSpPr>
+        <p:spPr/>
+        <p:txBody>
+          <a:bodyPr/>
+          <a:lstStyle/>
+          <a:p>
+            <a:r>
+              <a:rPr lang="en-US" dirty="0" smtClean="0"/>
+              <a:t>Example:</a:t>
+            </a:r>
+            <a:endParaRPr lang="en-US" dirty="0"/>
+          </a:p>
+        </p:txBody>
+      </p:sp>
+    </p:spTree>
+    <p:extLst>
+      <p:ext uri="{BB962C8B-B14F-4D97-AF65-F5344CB8AC3E}">
+        <p14:creationId xmlns:p14="http://schemas.microsoft.com/office/powerpoint/2010/main" val="332588596"/>
+      </p:ext>
+    </p:extLst>
+  </p:cSld>
+  <p:clrMapOvr>
+    <a:masterClrMapping/>
+  </p:clrMapOvr>
+  <mc:AlternateContent xmlns:mc="http://schemas.openxmlformats.org/markup-compatibility/2006" xmlns:p14="http://schemas.microsoft.com/office/powerpoint/2010/main">
+    <mc:Choice Requires="p14">
+      <p:transition p14:dur="0"/>
+    </mc:Choice>
+    <mc:Fallback xmlns="">
+      <p:transition/>
+    </mc:Fallback>
+  </mc:AlternateContent>
+  <p:timing>
+    <p:tnLst>
+      <p:par>
+        <p:cTn id="1" dur="indefinite" restart="never" nodeType="tmRoot"/>
+      </p:par>
+    </p:tnLst>
+  </p:timing>
+</p:sld>
+</file>
+
+<file path=ppt/slides/slide14.xml><?xml version="1.0" encoding="utf-8"?>
+<p:sld xmlns:a="http://schemas.openxmlformats.org/drawingml/2006/main" xmlns:r="http://schemas.openxmlformats.org/officeDocument/2006/relationships" xmlns:p="http://schemas.openxmlformats.org/presentationml/2006/main">
+  <p:cSld>
+    <p:spTree>
+      <p:nvGrpSpPr>
+        <p:cNvPr id="1" name=""/>
+        <p:cNvGrpSpPr/>
+        <p:nvPr/>
+      </p:nvGrpSpPr>
+      <p:grpSpPr>
+        <a:xfrm>
+          <a:off x="0" y="0"/>
+          <a:ext cx="0" cy="0"/>
+          <a:chOff x="0" y="0"/>
+          <a:chExt cx="0" cy="0"/>
+        </a:xfrm>
+      </p:grpSpPr>
+      <p:sp>
+        <p:nvSpPr>
+          <p:cNvPr id="2" name="Text Placeholder 1"/>
+          <p:cNvSpPr>
+            <a:spLocks noGrp="1"/>
+          </p:cNvSpPr>
+          <p:nvPr>
+            <p:ph type="body" sz="quarter" idx="12"/>
+          </p:nvPr>
+        </p:nvSpPr>
+        <p:spPr/>
+        <p:txBody>
+          <a:bodyPr/>
+          <a:lstStyle/>
+          <a:p>
+            <a:pPr marL="342900" indent="-342900">
+              <a:buFont typeface="Arial" charset="0"/>
+              <a:buChar char="•"/>
+            </a:pPr>
+            <a:r>
+              <a:rPr lang="en-US" dirty="0" smtClean="0"/>
               <a:t>Better (Looser) Coupling</a:t>
             </a:r>
           </a:p>
@@ -11883,7 +12427,7 @@
 </p:sld>
 </file>
 
-<file path=ppt/slides/slide14.xml><?xml version="1.0" encoding="utf-8"?>
+<file path=ppt/slides/slide15.xml><?xml version="1.0" encoding="utf-8"?>
 <p:sld xmlns:a="http://schemas.openxmlformats.org/drawingml/2006/main" xmlns:r="http://schemas.openxmlformats.org/officeDocument/2006/relationships" xmlns:p="http://schemas.openxmlformats.org/presentationml/2006/main">
   <p:cSld>
     <p:spTree>
@@ -12235,7 +12779,7 @@
 </p:sld>
 </file>
 
-<file path=ppt/slides/slide15.xml><?xml version="1.0" encoding="utf-8"?>
+<file path=ppt/slides/slide16.xml><?xml version="1.0" encoding="utf-8"?>
 <p:sld xmlns:a="http://schemas.openxmlformats.org/drawingml/2006/main" xmlns:r="http://schemas.openxmlformats.org/officeDocument/2006/relationships" xmlns:p="http://schemas.openxmlformats.org/presentationml/2006/main">
   <p:cSld>
     <p:spTree>
@@ -13378,572 +13922,6 @@
 </p:sld>
 </file>
 
-<file path=ppt/slides/slide16.xml><?xml version="1.0" encoding="utf-8"?>
-<p:sld xmlns:a="http://schemas.openxmlformats.org/drawingml/2006/main" xmlns:r="http://schemas.openxmlformats.org/officeDocument/2006/relationships" xmlns:p="http://schemas.openxmlformats.org/presentationml/2006/main">
-  <p:cSld>
-    <p:spTree>
-      <p:nvGrpSpPr>
-        <p:cNvPr id="1" name=""/>
-        <p:cNvGrpSpPr/>
-        <p:nvPr/>
-      </p:nvGrpSpPr>
-      <p:grpSpPr>
-        <a:xfrm>
-          <a:off x="0" y="0"/>
-          <a:ext cx="0" cy="0"/>
-          <a:chOff x="0" y="0"/>
-          <a:chExt cx="0" cy="0"/>
-        </a:xfrm>
-      </p:grpSpPr>
-      <p:sp>
-        <p:nvSpPr>
-          <p:cNvPr id="2" name="Text Placeholder 1"/>
-          <p:cNvSpPr>
-            <a:spLocks noGrp="1"/>
-          </p:cNvSpPr>
-          <p:nvPr>
-            <p:ph type="body" sz="quarter" idx="12"/>
-          </p:nvPr>
-        </p:nvSpPr>
-        <p:spPr/>
-        <p:txBody>
-          <a:bodyPr/>
-          <a:lstStyle/>
-          <a:p>
-            <a:pPr marL="342900" indent="-342900">
-              <a:buFont typeface="Arial" charset="0"/>
-              <a:buChar char="•"/>
-            </a:pPr>
-            <a:r>
-              <a:rPr lang="en-US" dirty="0" smtClean="0"/>
-              <a:t>Which one is easier to read?</a:t>
-            </a:r>
-          </a:p>
-          <a:p>
-            <a:pPr marL="342900" indent="-342900">
-              <a:buFont typeface="Arial" charset="0"/>
-              <a:buChar char="•"/>
-            </a:pPr>
-            <a:endParaRPr lang="en-US" dirty="0" smtClean="0"/>
-          </a:p>
-          <a:p>
-            <a:pPr marL="631825" lvl="1" indent="-342900">
-              <a:buFont typeface="Arial" charset="0"/>
-              <a:buChar char="•"/>
-            </a:pPr>
-            <a:r>
-              <a:rPr lang="en-US" dirty="0"/>
-              <a:t>&lt;</a:t>
-            </a:r>
-            <a:r>
-              <a:rPr lang="en-US" b="1" dirty="0" err="1">
-                <a:solidFill>
-                  <a:srgbClr val="000080"/>
-                </a:solidFill>
-              </a:rPr>
-              <a:t>TodoList</a:t>
-            </a:r>
-            <a:r>
-              <a:rPr lang="en-US" b="1" dirty="0">
-                <a:solidFill>
-                  <a:srgbClr val="000080"/>
-                </a:solidFill>
-              </a:rPr>
-              <a:t> </a:t>
-            </a:r>
-            <a:r>
-              <a:rPr lang="en-US" b="1" dirty="0" err="1">
-                <a:solidFill>
-                  <a:srgbClr val="0000FF"/>
-                </a:solidFill>
-              </a:rPr>
-              <a:t>todos</a:t>
-            </a:r>
-            <a:r>
-              <a:rPr lang="en-US" b="1" dirty="0">
-                <a:solidFill>
-                  <a:srgbClr val="008000"/>
-                </a:solidFill>
-              </a:rPr>
-              <a:t>=</a:t>
-            </a:r>
-            <a:r>
-              <a:rPr lang="en-US" dirty="0"/>
-              <a:t>{</a:t>
-            </a:r>
-            <a:r>
-              <a:rPr lang="en-US" b="1" dirty="0" err="1">
-                <a:solidFill>
-                  <a:srgbClr val="000080"/>
-                </a:solidFill>
-              </a:rPr>
-              <a:t>this</a:t>
-            </a:r>
-            <a:r>
-              <a:rPr lang="en-US" dirty="0" err="1"/>
-              <a:t>.state.</a:t>
-            </a:r>
-            <a:r>
-              <a:rPr lang="en-US" b="1" dirty="0" err="1">
-                <a:solidFill>
-                  <a:srgbClr val="660E7A"/>
-                </a:solidFill>
-              </a:rPr>
-              <a:t>todos</a:t>
-            </a:r>
-            <a:r>
-              <a:rPr lang="en-US" dirty="0"/>
-              <a:t>} </a:t>
-            </a:r>
-            <a:r>
-              <a:rPr lang="en-US" b="1" dirty="0" err="1">
-                <a:solidFill>
-                  <a:srgbClr val="0000FF"/>
-                </a:solidFill>
-              </a:rPr>
-              <a:t>addTodo</a:t>
-            </a:r>
-            <a:r>
-              <a:rPr lang="en-US" b="1" dirty="0">
-                <a:solidFill>
-                  <a:srgbClr val="008000"/>
-                </a:solidFill>
-              </a:rPr>
-              <a:t>=</a:t>
-            </a:r>
-            <a:r>
-              <a:rPr lang="en-US" dirty="0"/>
-              <a:t>{</a:t>
-            </a:r>
-            <a:r>
-              <a:rPr lang="en-US" b="1" dirty="0" err="1">
-                <a:solidFill>
-                  <a:srgbClr val="000080"/>
-                </a:solidFill>
-              </a:rPr>
-              <a:t>this</a:t>
-            </a:r>
-            <a:r>
-              <a:rPr lang="en-US" dirty="0" err="1"/>
-              <a:t>.</a:t>
-            </a:r>
-            <a:r>
-              <a:rPr lang="en-US" dirty="0" err="1">
-                <a:solidFill>
-                  <a:srgbClr val="7A7A43"/>
-                </a:solidFill>
-              </a:rPr>
-              <a:t>addTodo</a:t>
-            </a:r>
-            <a:r>
-              <a:rPr lang="en-US" dirty="0"/>
-              <a:t>} </a:t>
-            </a:r>
-            <a:r>
-              <a:rPr lang="en-US" b="1" dirty="0">
-                <a:solidFill>
-                  <a:srgbClr val="0000FF"/>
-                </a:solidFill>
-              </a:rPr>
-              <a:t>remove</a:t>
-            </a:r>
-            <a:r>
-              <a:rPr lang="en-US" b="1" dirty="0">
-                <a:solidFill>
-                  <a:srgbClr val="008000"/>
-                </a:solidFill>
-              </a:rPr>
-              <a:t>=</a:t>
-            </a:r>
-            <a:r>
-              <a:rPr lang="en-US" dirty="0"/>
-              <a:t>{</a:t>
-            </a:r>
-            <a:r>
-              <a:rPr lang="en-US" b="1" dirty="0" err="1">
-                <a:solidFill>
-                  <a:srgbClr val="000080"/>
-                </a:solidFill>
-              </a:rPr>
-              <a:t>this</a:t>
-            </a:r>
-            <a:r>
-              <a:rPr lang="en-US" dirty="0" err="1"/>
-              <a:t>.</a:t>
-            </a:r>
-            <a:r>
-              <a:rPr lang="en-US" dirty="0" err="1">
-                <a:solidFill>
-                  <a:srgbClr val="7A7A43"/>
-                </a:solidFill>
-              </a:rPr>
-              <a:t>remove</a:t>
-            </a:r>
-            <a:r>
-              <a:rPr lang="en-US" dirty="0"/>
-              <a:t>} </a:t>
-            </a:r>
-            <a:r>
-              <a:rPr lang="en-US" b="1" dirty="0">
-                <a:solidFill>
-                  <a:srgbClr val="0000FF"/>
-                </a:solidFill>
-              </a:rPr>
-              <a:t>update</a:t>
-            </a:r>
-            <a:r>
-              <a:rPr lang="en-US" b="1" dirty="0">
-                <a:solidFill>
-                  <a:srgbClr val="008000"/>
-                </a:solidFill>
-              </a:rPr>
-              <a:t>=</a:t>
-            </a:r>
-            <a:r>
-              <a:rPr lang="en-US" dirty="0"/>
-              <a:t>{</a:t>
-            </a:r>
-            <a:r>
-              <a:rPr lang="en-US" b="1" dirty="0" err="1">
-                <a:solidFill>
-                  <a:srgbClr val="000080"/>
-                </a:solidFill>
-              </a:rPr>
-              <a:t>this</a:t>
-            </a:r>
-            <a:r>
-              <a:rPr lang="en-US" dirty="0" err="1"/>
-              <a:t>.</a:t>
-            </a:r>
-            <a:r>
-              <a:rPr lang="en-US" dirty="0" err="1">
-                <a:solidFill>
-                  <a:srgbClr val="7A7A43"/>
-                </a:solidFill>
-              </a:rPr>
-              <a:t>update</a:t>
-            </a:r>
-            <a:r>
-              <a:rPr lang="en-US" dirty="0"/>
-              <a:t>} /&gt;</a:t>
-            </a:r>
-            <a:br>
-              <a:rPr lang="en-US" dirty="0"/>
-            </a:br>
-            <a:endParaRPr lang="en-US" dirty="0" smtClean="0"/>
-          </a:p>
-          <a:p>
-            <a:pPr marL="342900" indent="-342900">
-              <a:buFont typeface="Arial" charset="0"/>
-              <a:buChar char="•"/>
-            </a:pPr>
-            <a:r>
-              <a:rPr lang="en-US" dirty="0" smtClean="0"/>
-              <a:t>OR</a:t>
-            </a:r>
-          </a:p>
-          <a:p>
-            <a:pPr marL="342900" indent="-342900">
-              <a:buFont typeface="Arial" charset="0"/>
-              <a:buChar char="•"/>
-            </a:pPr>
-            <a:endParaRPr lang="en-US" dirty="0"/>
-          </a:p>
-          <a:p>
-            <a:pPr marL="631825" lvl="1" indent="-342900">
-              <a:buFont typeface="Arial" charset="0"/>
-              <a:buChar char="•"/>
-            </a:pPr>
-            <a:r>
-              <a:rPr lang="en-US" dirty="0"/>
-              <a:t>&lt;</a:t>
-            </a:r>
-            <a:r>
-              <a:rPr lang="en-US" b="1" dirty="0" err="1">
-                <a:solidFill>
-                  <a:srgbClr val="000080"/>
-                </a:solidFill>
-              </a:rPr>
-              <a:t>TodoList</a:t>
-            </a:r>
-            <a:r>
-              <a:rPr lang="en-US" b="1" dirty="0">
-                <a:solidFill>
-                  <a:srgbClr val="000080"/>
-                </a:solidFill>
-              </a:rPr>
-              <a:t/>
-            </a:r>
-            <a:br>
-              <a:rPr lang="en-US" b="1" dirty="0">
-                <a:solidFill>
-                  <a:srgbClr val="000080"/>
-                </a:solidFill>
-              </a:rPr>
-            </a:br>
-            <a:r>
-              <a:rPr lang="en-US" b="1" dirty="0">
-                <a:solidFill>
-                  <a:srgbClr val="000080"/>
-                </a:solidFill>
-              </a:rPr>
-              <a:t>    </a:t>
-            </a:r>
-            <a:r>
-              <a:rPr lang="en-US" b="1" dirty="0" err="1">
-                <a:solidFill>
-                  <a:srgbClr val="0000FF"/>
-                </a:solidFill>
-              </a:rPr>
-              <a:t>todos</a:t>
-            </a:r>
-            <a:r>
-              <a:rPr lang="en-US" b="1" dirty="0">
-                <a:solidFill>
-                  <a:srgbClr val="008000"/>
-                </a:solidFill>
-              </a:rPr>
-              <a:t>=</a:t>
-            </a:r>
-            <a:r>
-              <a:rPr lang="en-US" dirty="0"/>
-              <a:t>{</a:t>
-            </a:r>
-            <a:r>
-              <a:rPr lang="en-US" b="1" dirty="0" err="1">
-                <a:solidFill>
-                  <a:srgbClr val="000080"/>
-                </a:solidFill>
-              </a:rPr>
-              <a:t>this</a:t>
-            </a:r>
-            <a:r>
-              <a:rPr lang="en-US" dirty="0" err="1"/>
-              <a:t>.state.</a:t>
-            </a:r>
-            <a:r>
-              <a:rPr lang="en-US" b="1" dirty="0" err="1">
-                <a:solidFill>
-                  <a:srgbClr val="660E7A"/>
-                </a:solidFill>
-              </a:rPr>
-              <a:t>todos</a:t>
-            </a:r>
-            <a:r>
-              <a:rPr lang="en-US" dirty="0"/>
-              <a:t>}</a:t>
-            </a:r>
-            <a:br>
-              <a:rPr lang="en-US" dirty="0"/>
-            </a:br>
-            <a:r>
-              <a:rPr lang="en-US" dirty="0"/>
-              <a:t>    </a:t>
-            </a:r>
-            <a:r>
-              <a:rPr lang="en-US" b="1" dirty="0" err="1">
-                <a:solidFill>
-                  <a:srgbClr val="0000FF"/>
-                </a:solidFill>
-              </a:rPr>
-              <a:t>addTodo</a:t>
-            </a:r>
-            <a:r>
-              <a:rPr lang="en-US" b="1" dirty="0">
-                <a:solidFill>
-                  <a:srgbClr val="008000"/>
-                </a:solidFill>
-              </a:rPr>
-              <a:t>=</a:t>
-            </a:r>
-            <a:r>
-              <a:rPr lang="en-US" dirty="0"/>
-              <a:t>{</a:t>
-            </a:r>
-            <a:r>
-              <a:rPr lang="en-US" b="1" dirty="0" err="1">
-                <a:solidFill>
-                  <a:srgbClr val="000080"/>
-                </a:solidFill>
-              </a:rPr>
-              <a:t>this</a:t>
-            </a:r>
-            <a:r>
-              <a:rPr lang="en-US" dirty="0" err="1"/>
-              <a:t>.</a:t>
-            </a:r>
-            <a:r>
-              <a:rPr lang="en-US" dirty="0" err="1">
-                <a:solidFill>
-                  <a:srgbClr val="7A7A43"/>
-                </a:solidFill>
-              </a:rPr>
-              <a:t>addTodo</a:t>
-            </a:r>
-            <a:r>
-              <a:rPr lang="en-US" dirty="0"/>
-              <a:t>}</a:t>
-            </a:r>
-            <a:br>
-              <a:rPr lang="en-US" dirty="0"/>
-            </a:br>
-            <a:r>
-              <a:rPr lang="en-US" dirty="0"/>
-              <a:t>    </a:t>
-            </a:r>
-            <a:r>
-              <a:rPr lang="en-US" b="1" dirty="0">
-                <a:solidFill>
-                  <a:srgbClr val="0000FF"/>
-                </a:solidFill>
-              </a:rPr>
-              <a:t>remove</a:t>
-            </a:r>
-            <a:r>
-              <a:rPr lang="en-US" b="1" dirty="0">
-                <a:solidFill>
-                  <a:srgbClr val="008000"/>
-                </a:solidFill>
-              </a:rPr>
-              <a:t>=</a:t>
-            </a:r>
-            <a:r>
-              <a:rPr lang="en-US" dirty="0"/>
-              <a:t>{</a:t>
-            </a:r>
-            <a:r>
-              <a:rPr lang="en-US" b="1" dirty="0" err="1">
-                <a:solidFill>
-                  <a:srgbClr val="000080"/>
-                </a:solidFill>
-              </a:rPr>
-              <a:t>this</a:t>
-            </a:r>
-            <a:r>
-              <a:rPr lang="en-US" dirty="0" err="1"/>
-              <a:t>.</a:t>
-            </a:r>
-            <a:r>
-              <a:rPr lang="en-US" dirty="0" err="1">
-                <a:solidFill>
-                  <a:srgbClr val="7A7A43"/>
-                </a:solidFill>
-              </a:rPr>
-              <a:t>remove</a:t>
-            </a:r>
-            <a:r>
-              <a:rPr lang="en-US" dirty="0"/>
-              <a:t>}</a:t>
-            </a:r>
-            <a:br>
-              <a:rPr lang="en-US" dirty="0"/>
-            </a:br>
-            <a:r>
-              <a:rPr lang="en-US" dirty="0"/>
-              <a:t>    </a:t>
-            </a:r>
-            <a:r>
-              <a:rPr lang="en-US" b="1" dirty="0">
-                <a:solidFill>
-                  <a:srgbClr val="0000FF"/>
-                </a:solidFill>
-              </a:rPr>
-              <a:t>update</a:t>
-            </a:r>
-            <a:r>
-              <a:rPr lang="en-US" b="1" dirty="0">
-                <a:solidFill>
-                  <a:srgbClr val="008000"/>
-                </a:solidFill>
-              </a:rPr>
-              <a:t>=</a:t>
-            </a:r>
-            <a:r>
-              <a:rPr lang="en-US" dirty="0"/>
-              <a:t>{</a:t>
-            </a:r>
-            <a:r>
-              <a:rPr lang="en-US" b="1" dirty="0" err="1">
-                <a:solidFill>
-                  <a:srgbClr val="000080"/>
-                </a:solidFill>
-              </a:rPr>
-              <a:t>this</a:t>
-            </a:r>
-            <a:r>
-              <a:rPr lang="en-US" dirty="0" err="1"/>
-              <a:t>.</a:t>
-            </a:r>
-            <a:r>
-              <a:rPr lang="en-US" dirty="0" err="1">
-                <a:solidFill>
-                  <a:srgbClr val="7A7A43"/>
-                </a:solidFill>
-              </a:rPr>
-              <a:t>update</a:t>
-            </a:r>
-            <a:r>
-              <a:rPr lang="en-US" dirty="0"/>
-              <a:t>} /&gt;</a:t>
-            </a:r>
-            <a:br>
-              <a:rPr lang="en-US" dirty="0"/>
-            </a:br>
-            <a:endParaRPr lang="en-US" dirty="0" smtClean="0"/>
-          </a:p>
-        </p:txBody>
-      </p:sp>
-      <p:sp>
-        <p:nvSpPr>
-          <p:cNvPr id="3" name="Title 2"/>
-          <p:cNvSpPr>
-            <a:spLocks noGrp="1"/>
-          </p:cNvSpPr>
-          <p:nvPr>
-            <p:ph type="title"/>
-          </p:nvPr>
-        </p:nvSpPr>
-        <p:spPr/>
-        <p:txBody>
-          <a:bodyPr/>
-          <a:lstStyle/>
-          <a:p>
-            <a:r>
-              <a:rPr lang="en-US" dirty="0" smtClean="0"/>
-              <a:t>Format UI Source</a:t>
-            </a:r>
-            <a:endParaRPr lang="en-US" dirty="0"/>
-          </a:p>
-        </p:txBody>
-      </p:sp>
-    </p:spTree>
-    <p:extLst>
-      <p:ext uri="{BB962C8B-B14F-4D97-AF65-F5344CB8AC3E}">
-        <p14:creationId xmlns:p14="http://schemas.microsoft.com/office/powerpoint/2010/main" val="513192197"/>
-      </p:ext>
-    </p:extLst>
-  </p:cSld>
-  <p:clrMapOvr>
-    <a:masterClrMapping/>
-  </p:clrMapOvr>
-  <mc:AlternateContent xmlns:mc="http://schemas.openxmlformats.org/markup-compatibility/2006" xmlns:p14="http://schemas.microsoft.com/office/powerpoint/2010/main">
-    <mc:Choice Requires="p14">
-      <p:transition p14:dur="0"/>
-    </mc:Choice>
-    <mc:Fallback xmlns="">
-      <p:transition/>
-    </mc:Fallback>
-  </mc:AlternateContent>
-  <p:timing>
-    <p:tnLst>
-      <p:par>
-        <p:cTn id="1" dur="indefinite" restart="never" nodeType="tmRoot"/>
-      </p:par>
-    </p:tnLst>
-  </p:timing>
-</p:sld>
-</file>
-
 <file path=ppt/slides/slide17.xml><?xml version="1.0" encoding="utf-8"?>
 <p:sld xmlns:a="http://schemas.openxmlformats.org/drawingml/2006/main" xmlns:r="http://schemas.openxmlformats.org/officeDocument/2006/relationships" xmlns:p="http://schemas.openxmlformats.org/presentationml/2006/main">
   <p:cSld>
@@ -13982,7 +13960,7 @@
             </a:pPr>
             <a:r>
               <a:rPr lang="en-US" dirty="0" smtClean="0"/>
-              <a:t>Like Java</a:t>
+              <a:t>Which one is easier to read?</a:t>
             </a:r>
           </a:p>
           <a:p>
@@ -13990,10 +13968,213 @@
               <a:buFont typeface="Arial" charset="0"/>
               <a:buChar char="•"/>
             </a:pPr>
-            <a:r>
-              <a:rPr lang="en-US" dirty="0" smtClean="0"/>
-              <a:t>Component names should be Capitalized</a:t>
-            </a:r>
+            <a:endParaRPr lang="en-US" dirty="0" smtClean="0"/>
+          </a:p>
+          <a:p>
+            <a:pPr marL="631825" lvl="1" indent="-342900">
+              <a:buFont typeface="Arial" charset="0"/>
+              <a:buChar char="•"/>
+            </a:pPr>
+            <a:r>
+              <a:rPr lang="en-US" dirty="0"/>
+              <a:t>&lt;</a:t>
+            </a:r>
+            <a:r>
+              <a:rPr lang="en-US" b="1" dirty="0" err="1">
+                <a:solidFill>
+                  <a:srgbClr val="000080"/>
+                </a:solidFill>
+              </a:rPr>
+              <a:t>TodoList</a:t>
+            </a:r>
+            <a:r>
+              <a:rPr lang="en-US" b="1" dirty="0">
+                <a:solidFill>
+                  <a:srgbClr val="000080"/>
+                </a:solidFill>
+              </a:rPr>
+              <a:t> </a:t>
+            </a:r>
+            <a:r>
+              <a:rPr lang="en-US" b="1" dirty="0" err="1">
+                <a:solidFill>
+                  <a:srgbClr val="0000FF"/>
+                </a:solidFill>
+              </a:rPr>
+              <a:t>todos</a:t>
+            </a:r>
+            <a:r>
+              <a:rPr lang="en-US" b="1" dirty="0">
+                <a:solidFill>
+                  <a:srgbClr val="008000"/>
+                </a:solidFill>
+              </a:rPr>
+              <a:t>=</a:t>
+            </a:r>
+            <a:r>
+              <a:rPr lang="en-US" dirty="0"/>
+              <a:t>{</a:t>
+            </a:r>
+            <a:r>
+              <a:rPr lang="en-US" b="1" dirty="0" err="1">
+                <a:solidFill>
+                  <a:srgbClr val="000080"/>
+                </a:solidFill>
+              </a:rPr>
+              <a:t>this</a:t>
+            </a:r>
+            <a:r>
+              <a:rPr lang="en-US" dirty="0" err="1"/>
+              <a:t>.state.</a:t>
+            </a:r>
+            <a:r>
+              <a:rPr lang="en-US" b="1" dirty="0" err="1">
+                <a:solidFill>
+                  <a:srgbClr val="660E7A"/>
+                </a:solidFill>
+              </a:rPr>
+              <a:t>todos</a:t>
+            </a:r>
+            <a:r>
+              <a:rPr lang="en-US" dirty="0"/>
+              <a:t>} </a:t>
+            </a:r>
+            <a:r>
+              <a:rPr lang="en-US" b="1" dirty="0" err="1">
+                <a:solidFill>
+                  <a:srgbClr val="0000FF"/>
+                </a:solidFill>
+              </a:rPr>
+              <a:t>addTodo</a:t>
+            </a:r>
+            <a:r>
+              <a:rPr lang="en-US" b="1" dirty="0">
+                <a:solidFill>
+                  <a:srgbClr val="008000"/>
+                </a:solidFill>
+              </a:rPr>
+              <a:t>=</a:t>
+            </a:r>
+            <a:r>
+              <a:rPr lang="en-US" dirty="0"/>
+              <a:t>{</a:t>
+            </a:r>
+            <a:r>
+              <a:rPr lang="en-US" b="1" dirty="0" err="1">
+                <a:solidFill>
+                  <a:srgbClr val="000080"/>
+                </a:solidFill>
+              </a:rPr>
+              <a:t>this</a:t>
+            </a:r>
+            <a:r>
+              <a:rPr lang="en-US" dirty="0" err="1"/>
+              <a:t>.</a:t>
+            </a:r>
+            <a:r>
+              <a:rPr lang="en-US" dirty="0" err="1">
+                <a:solidFill>
+                  <a:srgbClr val="7A7A43"/>
+                </a:solidFill>
+              </a:rPr>
+              <a:t>addTodo</a:t>
+            </a:r>
+            <a:r>
+              <a:rPr lang="en-US" dirty="0"/>
+              <a:t>} </a:t>
+            </a:r>
+            <a:r>
+              <a:rPr lang="en-US" b="1" dirty="0">
+                <a:solidFill>
+                  <a:srgbClr val="0000FF"/>
+                </a:solidFill>
+              </a:rPr>
+              <a:t>remove</a:t>
+            </a:r>
+            <a:r>
+              <a:rPr lang="en-US" b="1" dirty="0">
+                <a:solidFill>
+                  <a:srgbClr val="008000"/>
+                </a:solidFill>
+              </a:rPr>
+              <a:t>=</a:t>
+            </a:r>
+            <a:r>
+              <a:rPr lang="en-US" dirty="0"/>
+              <a:t>{</a:t>
+            </a:r>
+            <a:r>
+              <a:rPr lang="en-US" b="1" dirty="0" err="1">
+                <a:solidFill>
+                  <a:srgbClr val="000080"/>
+                </a:solidFill>
+              </a:rPr>
+              <a:t>this</a:t>
+            </a:r>
+            <a:r>
+              <a:rPr lang="en-US" dirty="0" err="1"/>
+              <a:t>.</a:t>
+            </a:r>
+            <a:r>
+              <a:rPr lang="en-US" dirty="0" err="1">
+                <a:solidFill>
+                  <a:srgbClr val="7A7A43"/>
+                </a:solidFill>
+              </a:rPr>
+              <a:t>remove</a:t>
+            </a:r>
+            <a:r>
+              <a:rPr lang="en-US" dirty="0"/>
+              <a:t>} </a:t>
+            </a:r>
+            <a:r>
+              <a:rPr lang="en-US" b="1" dirty="0">
+                <a:solidFill>
+                  <a:srgbClr val="0000FF"/>
+                </a:solidFill>
+              </a:rPr>
+              <a:t>update</a:t>
+            </a:r>
+            <a:r>
+              <a:rPr lang="en-US" b="1" dirty="0">
+                <a:solidFill>
+                  <a:srgbClr val="008000"/>
+                </a:solidFill>
+              </a:rPr>
+              <a:t>=</a:t>
+            </a:r>
+            <a:r>
+              <a:rPr lang="en-US" dirty="0"/>
+              <a:t>{</a:t>
+            </a:r>
+            <a:r>
+              <a:rPr lang="en-US" b="1" dirty="0" err="1">
+                <a:solidFill>
+                  <a:srgbClr val="000080"/>
+                </a:solidFill>
+              </a:rPr>
+              <a:t>this</a:t>
+            </a:r>
+            <a:r>
+              <a:rPr lang="en-US" dirty="0" err="1"/>
+              <a:t>.</a:t>
+            </a:r>
+            <a:r>
+              <a:rPr lang="en-US" dirty="0" err="1">
+                <a:solidFill>
+                  <a:srgbClr val="7A7A43"/>
+                </a:solidFill>
+              </a:rPr>
+              <a:t>update</a:t>
+            </a:r>
+            <a:r>
+              <a:rPr lang="en-US" dirty="0"/>
+              <a:t>} /&gt;</a:t>
+            </a:r>
+            <a:br>
+              <a:rPr lang="en-US" dirty="0"/>
+            </a:br>
+            <a:endParaRPr lang="en-US" dirty="0" smtClean="0"/>
           </a:p>
           <a:p>
             <a:pPr marL="342900" indent="-342900">
@@ -14002,8 +14183,15 @@
             </a:pPr>
             <a:r>
               <a:rPr lang="en-US" dirty="0" smtClean="0"/>
-              <a:t>File names should reflect the Components exported</a:t>
-            </a:r>
+              <a:t>OR</a:t>
+            </a:r>
+          </a:p>
+          <a:p>
+            <a:pPr marL="342900" indent="-342900">
+              <a:buFont typeface="Arial" charset="0"/>
+              <a:buChar char="•"/>
+            </a:pPr>
+            <a:endParaRPr lang="en-US" dirty="0"/>
           </a:p>
           <a:p>
             <a:pPr marL="631825" lvl="1" indent="-342900">
@@ -14011,53 +14199,241 @@
               <a:buChar char="•"/>
             </a:pPr>
             <a:r>
-              <a:rPr lang="en-US" dirty="0" smtClean="0"/>
-              <a:t>Should be capitalized</a:t>
-            </a:r>
-          </a:p>
-          <a:p>
-            <a:pPr marL="342900" indent="-342900">
-              <a:buFont typeface="Arial" charset="0"/>
-              <a:buChar char="•"/>
-            </a:pPr>
-            <a:r>
-              <a:rPr lang="en-US" dirty="0" smtClean="0"/>
-              <a:t>Can use extension of ‘</a:t>
-            </a:r>
-            <a:r>
-              <a:rPr lang="en-US" dirty="0" err="1" smtClean="0">
-                <a:solidFill>
-                  <a:srgbClr val="FF0000"/>
-                </a:solidFill>
-              </a:rPr>
-              <a:t>js</a:t>
-            </a:r>
-            <a:r>
-              <a:rPr lang="en-US" dirty="0" smtClean="0"/>
-              <a:t>’ OR ‘</a:t>
-            </a:r>
-            <a:r>
-              <a:rPr lang="en-US" dirty="0" err="1" smtClean="0">
-                <a:solidFill>
-                  <a:srgbClr val="FF0000"/>
-                </a:solidFill>
-              </a:rPr>
-              <a:t>jsx</a:t>
-            </a:r>
-            <a:r>
-              <a:rPr lang="en-US" dirty="0" smtClean="0"/>
-              <a:t>’</a:t>
-            </a:r>
-          </a:p>
-          <a:p>
-            <a:pPr marL="631825" lvl="1" indent="-342900">
-              <a:buFont typeface="Arial" charset="0"/>
-              <a:buChar char="•"/>
-            </a:pPr>
-            <a:r>
-              <a:rPr lang="en-US" dirty="0" smtClean="0"/>
-              <a:t>Depends on build tools</a:t>
-            </a:r>
+              <a:rPr lang="en-US" dirty="0"/>
+              <a:t>&lt;</a:t>
+            </a:r>
+            <a:r>
+              <a:rPr lang="en-US" b="1" dirty="0" err="1">
+                <a:solidFill>
+                  <a:srgbClr val="000080"/>
+                </a:solidFill>
+              </a:rPr>
+              <a:t>TodoList</a:t>
+            </a:r>
+            <a:r>
+              <a:rPr lang="en-US" b="1" dirty="0">
+                <a:solidFill>
+                  <a:srgbClr val="000080"/>
+                </a:solidFill>
+              </a:rPr>
+              <a:t/>
+            </a:r>
+            <a:br>
+              <a:rPr lang="en-US" b="1" dirty="0">
+                <a:solidFill>
+                  <a:srgbClr val="000080"/>
+                </a:solidFill>
+              </a:rPr>
+            </a:br>
+            <a:r>
+              <a:rPr lang="en-US" b="1" dirty="0">
+                <a:solidFill>
+                  <a:srgbClr val="000080"/>
+                </a:solidFill>
+              </a:rPr>
+              <a:t>    </a:t>
+            </a:r>
+            <a:r>
+              <a:rPr lang="en-US" b="1" dirty="0" err="1">
+                <a:solidFill>
+                  <a:srgbClr val="0000FF"/>
+                </a:solidFill>
+              </a:rPr>
+              <a:t>todos</a:t>
+            </a:r>
+            <a:r>
+              <a:rPr lang="en-US" b="1" dirty="0">
+                <a:solidFill>
+                  <a:srgbClr val="008000"/>
+                </a:solidFill>
+              </a:rPr>
+              <a:t>=</a:t>
+            </a:r>
+            <a:r>
+              <a:rPr lang="en-US" dirty="0"/>
+              <a:t>{</a:t>
+            </a:r>
+            <a:r>
+              <a:rPr lang="en-US" b="1" dirty="0" err="1">
+                <a:solidFill>
+                  <a:srgbClr val="000080"/>
+                </a:solidFill>
+              </a:rPr>
+              <a:t>this</a:t>
+            </a:r>
+            <a:r>
+              <a:rPr lang="en-US" dirty="0" err="1"/>
+              <a:t>.state.</a:t>
+            </a:r>
+            <a:r>
+              <a:rPr lang="en-US" b="1" dirty="0" err="1">
+                <a:solidFill>
+                  <a:srgbClr val="660E7A"/>
+                </a:solidFill>
+              </a:rPr>
+              <a:t>todos</a:t>
+            </a:r>
+            <a:r>
+              <a:rPr lang="en-US" dirty="0"/>
+              <a:t>}</a:t>
+            </a:r>
+            <a:br>
+              <a:rPr lang="en-US" dirty="0"/>
+            </a:br>
+            <a:r>
+              <a:rPr lang="en-US" dirty="0"/>
+              <a:t>    </a:t>
+            </a:r>
+            <a:r>
+              <a:rPr lang="en-US" b="1" dirty="0" err="1">
+                <a:solidFill>
+                  <a:srgbClr val="0000FF"/>
+                </a:solidFill>
+              </a:rPr>
+              <a:t>addTodo</a:t>
+            </a:r>
+            <a:r>
+              <a:rPr lang="en-US" b="1" dirty="0">
+                <a:solidFill>
+                  <a:srgbClr val="008000"/>
+                </a:solidFill>
+              </a:rPr>
+              <a:t>=</a:t>
+            </a:r>
+            <a:r>
+              <a:rPr lang="en-US" dirty="0"/>
+              <a:t>{</a:t>
+            </a:r>
+            <a:r>
+              <a:rPr lang="en-US" b="1" dirty="0" err="1">
+                <a:solidFill>
+                  <a:srgbClr val="000080"/>
+                </a:solidFill>
+              </a:rPr>
+              <a:t>this</a:t>
+            </a:r>
+            <a:r>
+              <a:rPr lang="en-US" dirty="0" err="1"/>
+              <a:t>.</a:t>
+            </a:r>
+            <a:r>
+              <a:rPr lang="en-US" dirty="0" err="1">
+                <a:solidFill>
+                  <a:srgbClr val="7A7A43"/>
+                </a:solidFill>
+              </a:rPr>
+              <a:t>addTodo</a:t>
+            </a:r>
+            <a:r>
+              <a:rPr lang="en-US" dirty="0"/>
+              <a:t>}</a:t>
+            </a:r>
+            <a:br>
+              <a:rPr lang="en-US" dirty="0"/>
+            </a:br>
+            <a:r>
+              <a:rPr lang="en-US" dirty="0"/>
+              <a:t>    </a:t>
+            </a:r>
+            <a:r>
+              <a:rPr lang="en-US" b="1" dirty="0">
+                <a:solidFill>
+                  <a:srgbClr val="0000FF"/>
+                </a:solidFill>
+              </a:rPr>
+              <a:t>remove</a:t>
+            </a:r>
+            <a:r>
+              <a:rPr lang="en-US" b="1" dirty="0">
+                <a:solidFill>
+                  <a:srgbClr val="008000"/>
+                </a:solidFill>
+              </a:rPr>
+              <a:t>=</a:t>
+            </a:r>
+            <a:r>
+              <a:rPr lang="en-US" dirty="0"/>
+              <a:t>{</a:t>
+            </a:r>
+            <a:r>
+              <a:rPr lang="en-US" b="1" dirty="0" err="1">
+                <a:solidFill>
+                  <a:srgbClr val="000080"/>
+                </a:solidFill>
+              </a:rPr>
+              <a:t>this</a:t>
+            </a:r>
+            <a:r>
+              <a:rPr lang="en-US" dirty="0" err="1"/>
+              <a:t>.</a:t>
+            </a:r>
+            <a:r>
+              <a:rPr lang="en-US" dirty="0" err="1">
+                <a:solidFill>
+                  <a:srgbClr val="7A7A43"/>
+                </a:solidFill>
+              </a:rPr>
+              <a:t>remove</a:t>
+            </a:r>
+            <a:r>
+              <a:rPr lang="en-US" dirty="0"/>
+              <a:t>}</a:t>
+            </a:r>
+            <a:br>
+              <a:rPr lang="en-US" dirty="0"/>
+            </a:br>
+            <a:r>
+              <a:rPr lang="en-US" dirty="0"/>
+              <a:t>    </a:t>
+            </a:r>
+            <a:r>
+              <a:rPr lang="en-US" b="1" dirty="0">
+                <a:solidFill>
+                  <a:srgbClr val="0000FF"/>
+                </a:solidFill>
+              </a:rPr>
+              <a:t>update</a:t>
+            </a:r>
+            <a:r>
+              <a:rPr lang="en-US" b="1" dirty="0">
+                <a:solidFill>
+                  <a:srgbClr val="008000"/>
+                </a:solidFill>
+              </a:rPr>
+              <a:t>=</a:t>
+            </a:r>
+            <a:r>
+              <a:rPr lang="en-US" dirty="0"/>
+              <a:t>{</a:t>
+            </a:r>
+            <a:r>
+              <a:rPr lang="en-US" b="1" dirty="0" err="1">
+                <a:solidFill>
+                  <a:srgbClr val="000080"/>
+                </a:solidFill>
+              </a:rPr>
+              <a:t>this</a:t>
+            </a:r>
+            <a:r>
+              <a:rPr lang="en-US" dirty="0" err="1"/>
+              <a:t>.</a:t>
+            </a:r>
+            <a:r>
+              <a:rPr lang="en-US" dirty="0" err="1">
+                <a:solidFill>
+                  <a:srgbClr val="7A7A43"/>
+                </a:solidFill>
+              </a:rPr>
+              <a:t>update</a:t>
+            </a:r>
+            <a:r>
+              <a:rPr lang="en-US" dirty="0"/>
+              <a:t>} /&gt;</a:t>
+            </a:r>
+            <a:br>
+              <a:rPr lang="en-US" dirty="0"/>
+            </a:br>
+            <a:endParaRPr lang="en-US" dirty="0" smtClean="0"/>
           </a:p>
         </p:txBody>
       </p:sp>
@@ -14078,7 +14454,7 @@
           <a:p>
             <a:r>
               <a:rPr lang="en-US" dirty="0" smtClean="0"/>
-              <a:t>Naming Conventions</a:t>
+              <a:t>Format UI Source</a:t>
             </a:r>
             <a:endParaRPr lang="en-US" dirty="0"/>
           </a:p>
@@ -14087,7 +14463,7 @@
     </p:spTree>
     <p:extLst>
       <p:ext uri="{BB962C8B-B14F-4D97-AF65-F5344CB8AC3E}">
-        <p14:creationId xmlns:p14="http://schemas.microsoft.com/office/powerpoint/2010/main" val="926928627"/>
+        <p14:creationId xmlns:p14="http://schemas.microsoft.com/office/powerpoint/2010/main" val="513192197"/>
       </p:ext>
     </p:extLst>
   </p:cSld>
@@ -14150,7 +14526,7 @@
             </a:pPr>
             <a:r>
               <a:rPr lang="en-US" dirty="0" smtClean="0"/>
-              <a:t>Emerging standards.</a:t>
+              <a:t>Like Java</a:t>
             </a:r>
           </a:p>
           <a:p>
@@ -14160,7 +14536,7 @@
             </a:pPr>
             <a:r>
               <a:rPr lang="en-US" dirty="0" smtClean="0"/>
-              <a:t>PayPal uses many different directory structures</a:t>
+              <a:t>Component names should be Capitalized</a:t>
             </a:r>
           </a:p>
           <a:p>
@@ -14170,7 +14546,61 @@
             </a:pPr>
             <a:r>
               <a:rPr lang="en-US" dirty="0" smtClean="0"/>
-              <a:t>Impacts build tools</a:t>
+              <a:t>File names should reflect the Components exported</a:t>
+            </a:r>
+          </a:p>
+          <a:p>
+            <a:pPr marL="631825" lvl="1" indent="-342900">
+              <a:buFont typeface="Arial" charset="0"/>
+              <a:buChar char="•"/>
+            </a:pPr>
+            <a:r>
+              <a:rPr lang="en-US" dirty="0" smtClean="0"/>
+              <a:t>Should be capitalized</a:t>
+            </a:r>
+          </a:p>
+          <a:p>
+            <a:pPr marL="342900" indent="-342900">
+              <a:buFont typeface="Arial" charset="0"/>
+              <a:buChar char="•"/>
+            </a:pPr>
+            <a:r>
+              <a:rPr lang="en-US" dirty="0" smtClean="0"/>
+              <a:t>Can use extension of ‘</a:t>
+            </a:r>
+            <a:r>
+              <a:rPr lang="en-US" dirty="0" err="1" smtClean="0">
+                <a:solidFill>
+                  <a:srgbClr val="FF0000"/>
+                </a:solidFill>
+              </a:rPr>
+              <a:t>js</a:t>
+            </a:r>
+            <a:r>
+              <a:rPr lang="en-US" dirty="0" smtClean="0"/>
+              <a:t>’ OR ‘</a:t>
+            </a:r>
+            <a:r>
+              <a:rPr lang="en-US" dirty="0" err="1" smtClean="0">
+                <a:solidFill>
+                  <a:srgbClr val="FF0000"/>
+                </a:solidFill>
+              </a:rPr>
+              <a:t>jsx</a:t>
+            </a:r>
+            <a:r>
+              <a:rPr lang="en-US" dirty="0" smtClean="0"/>
+              <a:t>’</a:t>
+            </a:r>
+          </a:p>
+          <a:p>
+            <a:pPr marL="631825" lvl="1" indent="-342900">
+              <a:buFont typeface="Arial" charset="0"/>
+              <a:buChar char="•"/>
+            </a:pPr>
+            <a:r>
+              <a:rPr lang="en-US" dirty="0" smtClean="0"/>
+              <a:t>Depends on build tools</a:t>
             </a:r>
           </a:p>
         </p:txBody>
@@ -14192,7 +14622,7 @@
           <a:p>
             <a:r>
               <a:rPr lang="en-US" dirty="0" smtClean="0"/>
-              <a:t>Directory Structure</a:t>
+              <a:t>Naming Conventions</a:t>
             </a:r>
             <a:endParaRPr lang="en-US" dirty="0"/>
           </a:p>
@@ -14201,7 +14631,7 @@
     </p:spTree>
     <p:extLst>
       <p:ext uri="{BB962C8B-B14F-4D97-AF65-F5344CB8AC3E}">
-        <p14:creationId xmlns:p14="http://schemas.microsoft.com/office/powerpoint/2010/main" val="1043058651"/>
+        <p14:creationId xmlns:p14="http://schemas.microsoft.com/office/powerpoint/2010/main" val="926928627"/>
       </p:ext>
     </p:extLst>
   </p:cSld>
@@ -14264,27 +14694,7 @@
             </a:pPr>
             <a:r>
               <a:rPr lang="en-US" dirty="0" smtClean="0"/>
-              <a:t>Container vs. Presentation Components</a:t>
-            </a:r>
-          </a:p>
-          <a:p>
-            <a:pPr marL="631825" lvl="1" indent="-342900">
-              <a:buFont typeface="Arial" charset="0"/>
-              <a:buChar char="•"/>
-            </a:pPr>
-            <a:r>
-              <a:rPr lang="en-US" dirty="0" smtClean="0"/>
-              <a:t>Very important architectural pattern</a:t>
-            </a:r>
-          </a:p>
-          <a:p>
-            <a:pPr marL="631825" lvl="1" indent="-342900">
-              <a:buFont typeface="Arial" charset="0"/>
-              <a:buChar char="•"/>
-            </a:pPr>
-            <a:r>
-              <a:rPr lang="en-US" dirty="0" smtClean="0"/>
-              <a:t>Much easier to test and maintain</a:t>
+              <a:t>Emerging standards.</a:t>
             </a:r>
           </a:p>
           <a:p>
@@ -14294,17 +14704,7 @@
             </a:pPr>
             <a:r>
               <a:rPr lang="en-US" dirty="0" smtClean="0"/>
-              <a:t>Naming Conventions</a:t>
-            </a:r>
-          </a:p>
-          <a:p>
-            <a:pPr marL="631825" lvl="1" indent="-342900">
-              <a:buFont typeface="Arial" charset="0"/>
-              <a:buChar char="•"/>
-            </a:pPr>
-            <a:r>
-              <a:rPr lang="en-US" dirty="0" smtClean="0"/>
-              <a:t>Much easier to maintain</a:t>
+              <a:t>PayPal uses many different directory structures</a:t>
             </a:r>
           </a:p>
           <a:p>
@@ -14314,17 +14714,7 @@
             </a:pPr>
             <a:r>
               <a:rPr lang="en-US" dirty="0" smtClean="0"/>
-              <a:t>UI Source Format</a:t>
-            </a:r>
-          </a:p>
-          <a:p>
-            <a:pPr marL="631825" lvl="1" indent="-342900">
-              <a:buFont typeface="Arial" charset="0"/>
-              <a:buChar char="•"/>
-            </a:pPr>
-            <a:r>
-              <a:rPr lang="en-US" dirty="0" smtClean="0"/>
-              <a:t>Much easier to read, hence maintain</a:t>
+              <a:t>Impacts build tools</a:t>
             </a:r>
           </a:p>
         </p:txBody>
@@ -14346,7 +14736,7 @@
           <a:p>
             <a:r>
               <a:rPr lang="en-US" dirty="0" smtClean="0"/>
-              <a:t>Summary</a:t>
+              <a:t>Directory Structure</a:t>
             </a:r>
             <a:endParaRPr lang="en-US" dirty="0"/>
           </a:p>
@@ -14355,7 +14745,7 @@
     </p:spTree>
     <p:extLst>
       <p:ext uri="{BB962C8B-B14F-4D97-AF65-F5344CB8AC3E}">
-        <p14:creationId xmlns:p14="http://schemas.microsoft.com/office/powerpoint/2010/main" val="777736896"/>
+        <p14:creationId xmlns:p14="http://schemas.microsoft.com/office/powerpoint/2010/main" val="1043058651"/>
       </p:ext>
     </p:extLst>
   </p:cSld>
@@ -14675,6 +15065,160 @@
             </a:pPr>
             <a:r>
               <a:rPr lang="en-US" dirty="0" smtClean="0"/>
+              <a:t>Container vs. Presentation Components</a:t>
+            </a:r>
+          </a:p>
+          <a:p>
+            <a:pPr marL="631825" lvl="1" indent="-342900">
+              <a:buFont typeface="Arial" charset="0"/>
+              <a:buChar char="•"/>
+            </a:pPr>
+            <a:r>
+              <a:rPr lang="en-US" dirty="0" smtClean="0"/>
+              <a:t>Very important architectural pattern</a:t>
+            </a:r>
+          </a:p>
+          <a:p>
+            <a:pPr marL="631825" lvl="1" indent="-342900">
+              <a:buFont typeface="Arial" charset="0"/>
+              <a:buChar char="•"/>
+            </a:pPr>
+            <a:r>
+              <a:rPr lang="en-US" dirty="0" smtClean="0"/>
+              <a:t>Much easier to test and maintain</a:t>
+            </a:r>
+          </a:p>
+          <a:p>
+            <a:pPr marL="342900" indent="-342900">
+              <a:buFont typeface="Arial" charset="0"/>
+              <a:buChar char="•"/>
+            </a:pPr>
+            <a:r>
+              <a:rPr lang="en-US" dirty="0" smtClean="0"/>
+              <a:t>Naming Conventions</a:t>
+            </a:r>
+          </a:p>
+          <a:p>
+            <a:pPr marL="631825" lvl="1" indent="-342900">
+              <a:buFont typeface="Arial" charset="0"/>
+              <a:buChar char="•"/>
+            </a:pPr>
+            <a:r>
+              <a:rPr lang="en-US" dirty="0" smtClean="0"/>
+              <a:t>Much easier to maintain</a:t>
+            </a:r>
+          </a:p>
+          <a:p>
+            <a:pPr marL="342900" indent="-342900">
+              <a:buFont typeface="Arial" charset="0"/>
+              <a:buChar char="•"/>
+            </a:pPr>
+            <a:r>
+              <a:rPr lang="en-US" dirty="0" smtClean="0"/>
+              <a:t>UI Source Format</a:t>
+            </a:r>
+          </a:p>
+          <a:p>
+            <a:pPr marL="631825" lvl="1" indent="-342900">
+              <a:buFont typeface="Arial" charset="0"/>
+              <a:buChar char="•"/>
+            </a:pPr>
+            <a:r>
+              <a:rPr lang="en-US" dirty="0" smtClean="0"/>
+              <a:t>Much easier to read, hence maintain</a:t>
+            </a:r>
+          </a:p>
+        </p:txBody>
+      </p:sp>
+      <p:sp>
+        <p:nvSpPr>
+          <p:cNvPr id="3" name="Title 2"/>
+          <p:cNvSpPr>
+            <a:spLocks noGrp="1"/>
+          </p:cNvSpPr>
+          <p:nvPr>
+            <p:ph type="title"/>
+          </p:nvPr>
+        </p:nvSpPr>
+        <p:spPr/>
+        <p:txBody>
+          <a:bodyPr/>
+          <a:lstStyle/>
+          <a:p>
+            <a:r>
+              <a:rPr lang="en-US" dirty="0" smtClean="0"/>
+              <a:t>Summary</a:t>
+            </a:r>
+            <a:endParaRPr lang="en-US" dirty="0"/>
+          </a:p>
+        </p:txBody>
+      </p:sp>
+    </p:spTree>
+    <p:extLst>
+      <p:ext uri="{BB962C8B-B14F-4D97-AF65-F5344CB8AC3E}">
+        <p14:creationId xmlns:p14="http://schemas.microsoft.com/office/powerpoint/2010/main" val="777736896"/>
+      </p:ext>
+    </p:extLst>
+  </p:cSld>
+  <p:clrMapOvr>
+    <a:masterClrMapping/>
+  </p:clrMapOvr>
+  <mc:AlternateContent xmlns:mc="http://schemas.openxmlformats.org/markup-compatibility/2006" xmlns:p14="http://schemas.microsoft.com/office/powerpoint/2010/main">
+    <mc:Choice Requires="p14">
+      <p:transition p14:dur="0"/>
+    </mc:Choice>
+    <mc:Fallback xmlns="">
+      <p:transition/>
+    </mc:Fallback>
+  </mc:AlternateContent>
+  <p:timing>
+    <p:tnLst>
+      <p:par>
+        <p:cTn id="1" dur="indefinite" restart="never" nodeType="tmRoot"/>
+      </p:par>
+    </p:tnLst>
+  </p:timing>
+</p:sld>
+</file>
+
+<file path=ppt/slides/slide21.xml><?xml version="1.0" encoding="utf-8"?>
+<p:sld xmlns:a="http://schemas.openxmlformats.org/drawingml/2006/main" xmlns:r="http://schemas.openxmlformats.org/officeDocument/2006/relationships" xmlns:p="http://schemas.openxmlformats.org/presentationml/2006/main">
+  <p:cSld>
+    <p:spTree>
+      <p:nvGrpSpPr>
+        <p:cNvPr id="1" name=""/>
+        <p:cNvGrpSpPr/>
+        <p:nvPr/>
+      </p:nvGrpSpPr>
+      <p:grpSpPr>
+        <a:xfrm>
+          <a:off x="0" y="0"/>
+          <a:ext cx="0" cy="0"/>
+          <a:chOff x="0" y="0"/>
+          <a:chExt cx="0" cy="0"/>
+        </a:xfrm>
+      </p:grpSpPr>
+      <p:sp>
+        <p:nvSpPr>
+          <p:cNvPr id="2" name="Text Placeholder 1"/>
+          <p:cNvSpPr>
+            <a:spLocks noGrp="1"/>
+          </p:cNvSpPr>
+          <p:nvPr>
+            <p:ph type="body" sz="quarter" idx="12"/>
+          </p:nvPr>
+        </p:nvSpPr>
+        <p:spPr/>
+        <p:txBody>
+          <a:bodyPr/>
+          <a:lstStyle/>
+          <a:p>
+            <a:pPr marL="342900" indent="-342900">
+              <a:buFont typeface="Arial" charset="0"/>
+              <a:buChar char="•"/>
+            </a:pPr>
+            <a:r>
+              <a:rPr lang="en-US" dirty="0" smtClean="0"/>
               <a:t>File </a:t>
             </a:r>
             <a:r>
@@ -14835,7 +15379,7 @@
       </p:grpSpPr>
       <p:sp>
         <p:nvSpPr>
-          <p:cNvPr id="2" name="Text Placeholder 1"/>
+          <p:cNvPr id="7171" name="Content Placeholder 2"/>
           <p:cNvSpPr>
             <a:spLocks noGrp="1"/>
           </p:cNvSpPr>
@@ -14854,7 +15398,19 @@
             </a:pPr>
             <a:r>
               <a:rPr lang="en-US" dirty="0" smtClean="0"/>
-              <a:t>Defines valid types for properties on the component</a:t>
+              <a:t>Like Spring, everything’s a </a:t>
+            </a:r>
+            <a:r>
+              <a:rPr lang="en-US" dirty="0" smtClean="0">
+                <a:solidFill>
+                  <a:srgbClr val="FF0000"/>
+                </a:solidFill>
+              </a:rPr>
+              <a:t>singleton</a:t>
+            </a:r>
+            <a:r>
+              <a:rPr lang="en-US" dirty="0" smtClean="0"/>
+              <a:t>!!!</a:t>
             </a:r>
           </a:p>
           <a:p>
@@ -14864,7 +15420,65 @@
             </a:pPr>
             <a:r>
               <a:rPr lang="en-US" dirty="0" smtClean="0"/>
-              <a:t>ONLY validated during development, not production</a:t>
+              <a:t>When you </a:t>
+            </a:r>
+            <a:r>
+              <a:rPr lang="en-US" dirty="0" smtClean="0">
+                <a:solidFill>
+                  <a:srgbClr val="FF0000"/>
+                </a:solidFill>
+              </a:rPr>
+              <a:t>require()</a:t>
+            </a:r>
+            <a:r>
+              <a:rPr lang="en-US" dirty="0" smtClean="0"/>
+              <a:t> or </a:t>
+            </a:r>
+            <a:r>
+              <a:rPr lang="en-US" dirty="0" smtClean="0">
+                <a:solidFill>
+                  <a:srgbClr val="FF0000"/>
+                </a:solidFill>
+              </a:rPr>
+              <a:t>import</a:t>
+            </a:r>
+            <a:r>
+              <a:rPr lang="en-US" dirty="0" smtClean="0"/>
+              <a:t> a module,</a:t>
+            </a:r>
+          </a:p>
+          <a:p>
+            <a:pPr marL="631825" lvl="1" indent="-342900">
+              <a:buFont typeface="Arial" charset="0"/>
+              <a:buChar char="•"/>
+            </a:pPr>
+            <a:r>
+              <a:rPr lang="en-US" dirty="0" smtClean="0"/>
+              <a:t>Node evaluates the contents of the module</a:t>
+            </a:r>
+          </a:p>
+          <a:p>
+            <a:pPr marL="631825" lvl="1" indent="-342900">
+              <a:buFont typeface="Arial" charset="0"/>
+              <a:buChar char="•"/>
+            </a:pPr>
+            <a:r>
+              <a:rPr lang="en-US" dirty="0" smtClean="0"/>
+              <a:t>Node caches the results</a:t>
+            </a:r>
+          </a:p>
+          <a:p>
+            <a:pPr marL="631825" lvl="1" indent="-342900">
+              <a:buFont typeface="Arial" charset="0"/>
+              <a:buChar char="•"/>
+            </a:pPr>
+            <a:r>
+              <a:rPr lang="en-US" dirty="0" smtClean="0"/>
+              <a:t>Node returns the cache value next </a:t>
+            </a:r>
+            <a:r>
+              <a:rPr lang="en-US" dirty="0" smtClean="0"/>
+              <a:t>time</a:t>
             </a:r>
           </a:p>
           <a:p>
@@ -14874,62 +15488,181 @@
             </a:pPr>
             <a:r>
               <a:rPr lang="en-US" dirty="0" smtClean="0"/>
-              <a:t>Values:</a:t>
-            </a:r>
+              <a:t>If you want a singleton, export an </a:t>
+            </a:r>
+            <a:r>
+              <a:rPr lang="en-US" dirty="0" smtClean="0">
+                <a:solidFill>
+                  <a:srgbClr val="FF0000"/>
+                </a:solidFill>
+              </a:rPr>
+              <a:t>object</a:t>
+            </a:r>
+          </a:p>
+          <a:p>
+            <a:pPr marL="631825" lvl="1" indent="-342900">
+              <a:buFont typeface="Arial" charset="0"/>
+              <a:buChar char="•"/>
+            </a:pPr>
+            <a:r>
+              <a:rPr lang="en-US" dirty="0" err="1" smtClean="0">
+                <a:solidFill>
+                  <a:srgbClr val="FF0000"/>
+                </a:solidFill>
+              </a:rPr>
+              <a:t>module.exports</a:t>
+            </a:r>
+            <a:r>
+              <a:rPr lang="en-US" dirty="0" smtClean="0"/>
+              <a:t> = { </a:t>
+            </a:r>
+            <a:r>
+              <a:rPr lang="en-US" dirty="0" err="1" smtClean="0"/>
+              <a:t>abc</a:t>
+            </a:r>
+            <a:r>
+              <a:rPr lang="en-US" dirty="0" smtClean="0"/>
+              <a:t>: function() </a:t>
+            </a:r>
+            <a:r>
+              <a:rPr lang="mr-IN" dirty="0" smtClean="0"/>
+              <a:t>…</a:t>
+            </a:r>
+            <a:r>
+              <a:rPr lang="en-US" dirty="0" smtClean="0"/>
+              <a:t>. }</a:t>
+            </a:r>
+            <a:endParaRPr lang="en-US" dirty="0" smtClean="0"/>
           </a:p>
           <a:p>
             <a:pPr marL="342900" indent="-342900">
               <a:buFont typeface="Arial" charset="0"/>
               <a:buChar char="•"/>
             </a:pPr>
-            <a:endParaRPr lang="en-US" dirty="0"/>
-          </a:p>
-          <a:p>
-            <a:pPr marL="342900" indent="-342900">
+            <a:r>
+              <a:rPr lang="en-US" dirty="0" smtClean="0"/>
+              <a:t>If you want individual </a:t>
+            </a:r>
+            <a:r>
+              <a:rPr lang="en-US" dirty="0" smtClean="0"/>
+              <a:t>instances of a class,</a:t>
+            </a:r>
+            <a:endParaRPr lang="en-US" dirty="0" smtClean="0"/>
+          </a:p>
+          <a:p>
+            <a:pPr marL="631825" lvl="1" indent="-342900">
               <a:buFont typeface="Arial" charset="0"/>
               <a:buChar char="•"/>
             </a:pPr>
+            <a:r>
+              <a:rPr lang="en-US" dirty="0" smtClean="0"/>
+              <a:t>Export the </a:t>
+            </a:r>
+            <a:r>
+              <a:rPr lang="en-US" dirty="0" smtClean="0">
+                <a:solidFill>
+                  <a:srgbClr val="FF0000"/>
+                </a:solidFill>
+              </a:rPr>
+              <a:t>class</a:t>
+            </a:r>
+            <a:r>
+              <a:rPr lang="en-US" dirty="0" smtClean="0"/>
+              <a:t>, not the </a:t>
+            </a:r>
+            <a:r>
+              <a:rPr lang="en-US" dirty="0" smtClean="0">
+                <a:solidFill>
+                  <a:srgbClr val="FF0000"/>
+                </a:solidFill>
+              </a:rPr>
+              <a:t>object</a:t>
+            </a:r>
+            <a:r>
+              <a:rPr lang="en-US" dirty="0" smtClean="0"/>
+              <a:t> </a:t>
+            </a:r>
             <a:endParaRPr lang="en-US" dirty="0" smtClean="0"/>
           </a:p>
           <a:p>
-            <a:pPr marL="342900" indent="-342900">
+            <a:pPr marL="917575" lvl="2" indent="-342900">
               <a:buFont typeface="Arial" charset="0"/>
               <a:buChar char="•"/>
             </a:pPr>
-            <a:endParaRPr lang="en-US" dirty="0"/>
-          </a:p>
-          <a:p>
-            <a:pPr marL="342900" indent="-342900">
+            <a:r>
+              <a:rPr lang="en-US" dirty="0">
+                <a:solidFill>
+                  <a:srgbClr val="FF0000"/>
+                </a:solidFill>
+              </a:rPr>
+              <a:t>e</a:t>
+            </a:r>
+            <a:r>
+              <a:rPr lang="en-US" dirty="0" smtClean="0">
+                <a:solidFill>
+                  <a:srgbClr val="FF0000"/>
+                </a:solidFill>
+              </a:rPr>
+              <a:t>xport default</a:t>
+            </a:r>
+            <a:r>
+              <a:rPr lang="en-US" dirty="0" smtClean="0"/>
+              <a:t> class </a:t>
+            </a:r>
+            <a:r>
+              <a:rPr lang="en-US" dirty="0" err="1" smtClean="0"/>
+              <a:t>Abc</a:t>
+            </a:r>
+            <a:r>
+              <a:rPr lang="en-US" dirty="0" smtClean="0"/>
+              <a:t> extends Component { </a:t>
+            </a:r>
+            <a:r>
+              <a:rPr lang="mr-IN" dirty="0" smtClean="0"/>
+              <a:t>…</a:t>
+            </a:r>
+            <a:r>
+              <a:rPr lang="en-US" dirty="0" smtClean="0"/>
+              <a:t> }</a:t>
+            </a:r>
+            <a:endParaRPr lang="en-US" dirty="0" smtClean="0"/>
+          </a:p>
+          <a:p>
+            <a:pPr marL="917575" lvl="2" indent="-342900">
               <a:buFont typeface="Arial" charset="0"/>
               <a:buChar char="•"/>
             </a:pPr>
+            <a:r>
+              <a:rPr lang="en-US" dirty="0" smtClean="0"/>
+              <a:t>Then </a:t>
+            </a:r>
+            <a:r>
+              <a:rPr lang="en-US" dirty="0" smtClean="0"/>
+              <a:t>you do a new on the </a:t>
+            </a:r>
+            <a:r>
+              <a:rPr lang="en-US" dirty="0" smtClean="0"/>
+              <a:t>class </a:t>
+            </a:r>
+            <a:r>
+              <a:rPr lang="mr-IN" dirty="0" smtClean="0"/>
+              <a:t>–</a:t>
+            </a:r>
+            <a:r>
+              <a:rPr lang="en-US" dirty="0" smtClean="0"/>
+              <a:t> like React does</a:t>
+            </a:r>
+            <a:r>
+              <a:rPr lang="mr-IN" dirty="0" smtClean="0"/>
+              <a:t>…</a:t>
+            </a:r>
             <a:endParaRPr lang="en-US" dirty="0" smtClean="0"/>
-          </a:p>
-          <a:p>
-            <a:pPr marL="342900" indent="-342900">
-              <a:buFont typeface="Arial" charset="0"/>
-              <a:buChar char="•"/>
-            </a:pPr>
-            <a:r>
-              <a:rPr lang="en-US" dirty="0" smtClean="0"/>
-              <a:t>Extremely useful, especially with shared components</a:t>
-            </a:r>
-          </a:p>
-          <a:p>
-            <a:pPr marL="342900" indent="-342900">
-              <a:buFont typeface="Arial" charset="0"/>
-              <a:buChar char="•"/>
-            </a:pPr>
-            <a:r>
-              <a:rPr lang="en-US" dirty="0" smtClean="0"/>
-              <a:t>Validation errors in Console on browser.</a:t>
-            </a:r>
           </a:p>
         </p:txBody>
       </p:sp>
       <p:sp>
         <p:nvSpPr>
-          <p:cNvPr id="3" name="Title 2"/>
+          <p:cNvPr id="7170" name="Title 1"/>
           <p:cNvSpPr>
             <a:spLocks noGrp="1"/>
           </p:cNvSpPr>
@@ -14943,41 +15676,77 @@
           <a:lstStyle/>
           <a:p>
             <a:r>
-              <a:rPr lang="en-US" dirty="0" err="1" smtClean="0"/>
-              <a:t>PropTypes</a:t>
-            </a:r>
-            <a:endParaRPr lang="en-US" dirty="0"/>
+              <a:rPr lang="en-US" dirty="0" smtClean="0"/>
+              <a:t>What’s </a:t>
+            </a:r>
+            <a:r>
+              <a:rPr lang="en-US" dirty="0" smtClean="0">
+                <a:solidFill>
+                  <a:srgbClr val="FF0000"/>
+                </a:solidFill>
+              </a:rPr>
+              <a:t>Import</a:t>
+            </a:r>
+            <a:r>
+              <a:rPr lang="en-US" dirty="0" smtClean="0"/>
+              <a:t>ant about </a:t>
+            </a:r>
+            <a:r>
+              <a:rPr lang="en-US" dirty="0" smtClean="0">
+                <a:solidFill>
+                  <a:srgbClr val="FF0000"/>
+                </a:solidFill>
+              </a:rPr>
+              <a:t>import</a:t>
+            </a:r>
+            <a:r>
+              <a:rPr lang="en-US" dirty="0" smtClean="0"/>
+              <a:t>?</a:t>
+            </a:r>
           </a:p>
         </p:txBody>
       </p:sp>
-      <p:pic>
-        <p:nvPicPr>
-          <p:cNvPr id="4" name="Picture 3"/>
-          <p:cNvPicPr>
-            <a:picLocks noChangeAspect="1"/>
-          </p:cNvPicPr>
-          <p:nvPr/>
-        </p:nvPicPr>
-        <p:blipFill>
-          <a:blip r:embed="rId2"/>
-          <a:stretch>
-            <a:fillRect/>
-          </a:stretch>
-        </p:blipFill>
+      <p:sp>
+        <p:nvSpPr>
+          <p:cNvPr id="4" name="Slide Number Placeholder 3"/>
+          <p:cNvSpPr>
+            <a:spLocks noGrp="1"/>
+          </p:cNvSpPr>
+          <p:nvPr>
+            <p:ph type="sldNum" sz="quarter" idx="4294967295"/>
+          </p:nvPr>
+        </p:nvSpPr>
         <p:spPr>
           <a:xfrm>
-            <a:off x="1909482" y="2514600"/>
-            <a:ext cx="6438900" cy="2197100"/>
+            <a:off x="8237538" y="6553200"/>
+            <a:ext cx="906462" cy="457200"/>
           </a:xfrm>
           <a:prstGeom prst="rect">
             <a:avLst/>
           </a:prstGeom>
         </p:spPr>
-      </p:pic>
+        <p:txBody>
+          <a:bodyPr/>
+          <a:lstStyle/>
+          <a:p>
+            <a:pPr>
+              <a:defRPr/>
+            </a:pPr>
+            <a:fld id="{D369B8B7-927E-44BF-8C60-1C3FD10483AB}" type="slidenum">
+              <a:rPr lang="en-US" smtClean="0"/>
+              <a:pPr>
+                <a:defRPr/>
+              </a:pPr>
+              <a:t>3</a:t>
+            </a:fld>
+            <a:endParaRPr lang="en-US"/>
+          </a:p>
+        </p:txBody>
+      </p:sp>
     </p:spTree>
     <p:extLst>
       <p:ext uri="{BB962C8B-B14F-4D97-AF65-F5344CB8AC3E}">
-        <p14:creationId xmlns:p14="http://schemas.microsoft.com/office/powerpoint/2010/main" val="827964283"/>
+        <p14:creationId xmlns:p14="http://schemas.microsoft.com/office/powerpoint/2010/main" val="706966596"/>
       </p:ext>
     </p:extLst>
   </p:cSld>
@@ -15040,6 +15809,192 @@
             </a:pPr>
             <a:r>
               <a:rPr lang="en-US" dirty="0" smtClean="0"/>
+              <a:t>Defines valid types for properties on the component</a:t>
+            </a:r>
+          </a:p>
+          <a:p>
+            <a:pPr marL="342900" indent="-342900">
+              <a:buFont typeface="Arial" charset="0"/>
+              <a:buChar char="•"/>
+            </a:pPr>
+            <a:r>
+              <a:rPr lang="en-US" dirty="0" smtClean="0"/>
+              <a:t>ONLY validated during development, not production</a:t>
+            </a:r>
+          </a:p>
+          <a:p>
+            <a:pPr marL="342900" indent="-342900">
+              <a:buFont typeface="Arial" charset="0"/>
+              <a:buChar char="•"/>
+            </a:pPr>
+            <a:r>
+              <a:rPr lang="en-US" dirty="0" smtClean="0"/>
+              <a:t>Values:</a:t>
+            </a:r>
+          </a:p>
+          <a:p>
+            <a:pPr marL="342900" indent="-342900">
+              <a:buFont typeface="Arial" charset="0"/>
+              <a:buChar char="•"/>
+            </a:pPr>
+            <a:endParaRPr lang="en-US" dirty="0"/>
+          </a:p>
+          <a:p>
+            <a:pPr marL="342900" indent="-342900">
+              <a:buFont typeface="Arial" charset="0"/>
+              <a:buChar char="•"/>
+            </a:pPr>
+            <a:endParaRPr lang="en-US" dirty="0" smtClean="0"/>
+          </a:p>
+          <a:p>
+            <a:pPr marL="342900" indent="-342900">
+              <a:buFont typeface="Arial" charset="0"/>
+              <a:buChar char="•"/>
+            </a:pPr>
+            <a:endParaRPr lang="en-US" dirty="0"/>
+          </a:p>
+          <a:p>
+            <a:pPr marL="342900" indent="-342900">
+              <a:buFont typeface="Arial" charset="0"/>
+              <a:buChar char="•"/>
+            </a:pPr>
+            <a:endParaRPr lang="en-US" dirty="0" smtClean="0"/>
+          </a:p>
+          <a:p>
+            <a:pPr marL="342900" indent="-342900">
+              <a:buFont typeface="Arial" charset="0"/>
+              <a:buChar char="•"/>
+            </a:pPr>
+            <a:r>
+              <a:rPr lang="en-US" dirty="0" smtClean="0"/>
+              <a:t>Extremely useful, especially with shared components</a:t>
+            </a:r>
+          </a:p>
+          <a:p>
+            <a:pPr marL="342900" indent="-342900">
+              <a:buFont typeface="Arial" charset="0"/>
+              <a:buChar char="•"/>
+            </a:pPr>
+            <a:r>
+              <a:rPr lang="en-US" dirty="0" smtClean="0"/>
+              <a:t>Validation errors in Console on browser.</a:t>
+            </a:r>
+          </a:p>
+        </p:txBody>
+      </p:sp>
+      <p:sp>
+        <p:nvSpPr>
+          <p:cNvPr id="3" name="Title 2"/>
+          <p:cNvSpPr>
+            <a:spLocks noGrp="1"/>
+          </p:cNvSpPr>
+          <p:nvPr>
+            <p:ph type="title"/>
+          </p:nvPr>
+        </p:nvSpPr>
+        <p:spPr/>
+        <p:txBody>
+          <a:bodyPr/>
+          <a:lstStyle/>
+          <a:p>
+            <a:r>
+              <a:rPr lang="en-US" dirty="0" err="1" smtClean="0"/>
+              <a:t>PropTypes</a:t>
+            </a:r>
+            <a:endParaRPr lang="en-US" dirty="0"/>
+          </a:p>
+        </p:txBody>
+      </p:sp>
+      <p:pic>
+        <p:nvPicPr>
+          <p:cNvPr id="4" name="Picture 3"/>
+          <p:cNvPicPr>
+            <a:picLocks noChangeAspect="1"/>
+          </p:cNvPicPr>
+          <p:nvPr/>
+        </p:nvPicPr>
+        <p:blipFill>
+          <a:blip r:embed="rId2"/>
+          <a:stretch>
+            <a:fillRect/>
+          </a:stretch>
+        </p:blipFill>
+        <p:spPr>
+          <a:xfrm>
+            <a:off x="1909482" y="2514600"/>
+            <a:ext cx="6438900" cy="2197100"/>
+          </a:xfrm>
+          <a:prstGeom prst="rect">
+            <a:avLst/>
+          </a:prstGeom>
+        </p:spPr>
+      </p:pic>
+    </p:spTree>
+    <p:extLst>
+      <p:ext uri="{BB962C8B-B14F-4D97-AF65-F5344CB8AC3E}">
+        <p14:creationId xmlns:p14="http://schemas.microsoft.com/office/powerpoint/2010/main" val="827964283"/>
+      </p:ext>
+    </p:extLst>
+  </p:cSld>
+  <p:clrMapOvr>
+    <a:masterClrMapping/>
+  </p:clrMapOvr>
+  <mc:AlternateContent xmlns:mc="http://schemas.openxmlformats.org/markup-compatibility/2006" xmlns:p14="http://schemas.microsoft.com/office/powerpoint/2010/main">
+    <mc:Choice Requires="p14">
+      <p:transition p14:dur="0"/>
+    </mc:Choice>
+    <mc:Fallback xmlns="">
+      <p:transition/>
+    </mc:Fallback>
+  </mc:AlternateContent>
+  <p:timing>
+    <p:tnLst>
+      <p:par>
+        <p:cTn id="1" dur="indefinite" restart="never" nodeType="tmRoot"/>
+      </p:par>
+    </p:tnLst>
+  </p:timing>
+</p:sld>
+</file>
+
+<file path=ppt/slides/slide5.xml><?xml version="1.0" encoding="utf-8"?>
+<p:sld xmlns:a="http://schemas.openxmlformats.org/drawingml/2006/main" xmlns:r="http://schemas.openxmlformats.org/officeDocument/2006/relationships" xmlns:p="http://schemas.openxmlformats.org/presentationml/2006/main">
+  <p:cSld>
+    <p:spTree>
+      <p:nvGrpSpPr>
+        <p:cNvPr id="1" name=""/>
+        <p:cNvGrpSpPr/>
+        <p:nvPr/>
+      </p:nvGrpSpPr>
+      <p:grpSpPr>
+        <a:xfrm>
+          <a:off x="0" y="0"/>
+          <a:ext cx="0" cy="0"/>
+          <a:chOff x="0" y="0"/>
+          <a:chExt cx="0" cy="0"/>
+        </a:xfrm>
+      </p:grpSpPr>
+      <p:sp>
+        <p:nvSpPr>
+          <p:cNvPr id="2" name="Text Placeholder 1"/>
+          <p:cNvSpPr>
+            <a:spLocks noGrp="1"/>
+          </p:cNvSpPr>
+          <p:nvPr>
+            <p:ph type="body" sz="quarter" idx="12"/>
+          </p:nvPr>
+        </p:nvSpPr>
+        <p:spPr/>
+        <p:txBody>
+          <a:bodyPr/>
+          <a:lstStyle/>
+          <a:p>
+            <a:pPr marL="342900" indent="-342900">
+              <a:buFont typeface="Arial" charset="0"/>
+              <a:buChar char="•"/>
+            </a:pPr>
+            <a:r>
+              <a:rPr lang="en-US" dirty="0" smtClean="0"/>
               <a:t>Three ways to create a Component</a:t>
             </a:r>
           </a:p>
@@ -15210,7 +16165,7 @@
 </p:sld>
 </file>
 
-<file path=ppt/slides/slide5.xml><?xml version="1.0" encoding="utf-8"?>
+<file path=ppt/slides/slide6.xml><?xml version="1.0" encoding="utf-8"?>
 <p:sld xmlns:a="http://schemas.openxmlformats.org/drawingml/2006/main" xmlns:r="http://schemas.openxmlformats.org/officeDocument/2006/relationships" xmlns:p="http://schemas.openxmlformats.org/presentationml/2006/main">
   <p:cSld>
     <p:spTree>
@@ -15599,7 +16554,7 @@
 </p:sld>
 </file>
 
-<file path=ppt/slides/slide6.xml><?xml version="1.0" encoding="utf-8"?>
+<file path=ppt/slides/slide7.xml><?xml version="1.0" encoding="utf-8"?>
 <p:sld xmlns:a="http://schemas.openxmlformats.org/drawingml/2006/main" xmlns:r="http://schemas.openxmlformats.org/officeDocument/2006/relationships" xmlns:p="http://schemas.openxmlformats.org/presentationml/2006/main">
   <p:cSld>
     <p:spTree>
@@ -15891,7 +16846,7 @@
 </p:sld>
 </file>
 
-<file path=ppt/slides/slide7.xml><?xml version="1.0" encoding="utf-8"?>
+<file path=ppt/slides/slide8.xml><?xml version="1.0" encoding="utf-8"?>
 <p:sld xmlns:a="http://schemas.openxmlformats.org/drawingml/2006/main" xmlns:r="http://schemas.openxmlformats.org/officeDocument/2006/relationships" xmlns:p="http://schemas.openxmlformats.org/presentationml/2006/main">
   <p:cSld>
     <p:spTree>
@@ -16351,7 +17306,7 @@
 </p:sld>
 </file>
 
-<file path=ppt/slides/slide8.xml><?xml version="1.0" encoding="utf-8"?>
+<file path=ppt/slides/slide9.xml><?xml version="1.0" encoding="utf-8"?>
 <p:sld xmlns:a="http://schemas.openxmlformats.org/drawingml/2006/main" xmlns:r="http://schemas.openxmlformats.org/officeDocument/2006/relationships" xmlns:p="http://schemas.openxmlformats.org/presentationml/2006/main">
   <p:cSld>
     <p:spTree>
@@ -16506,464 +17461,6 @@
     <p:extLst>
       <p:ext uri="{BB962C8B-B14F-4D97-AF65-F5344CB8AC3E}">
         <p14:creationId xmlns:p14="http://schemas.microsoft.com/office/powerpoint/2010/main" val="1210789791"/>
-      </p:ext>
-    </p:extLst>
-  </p:cSld>
-  <p:clrMapOvr>
-    <a:masterClrMapping/>
-  </p:clrMapOvr>
-  <mc:AlternateContent xmlns:mc="http://schemas.openxmlformats.org/markup-compatibility/2006" xmlns:p14="http://schemas.microsoft.com/office/powerpoint/2010/main">
-    <mc:Choice Requires="p14">
-      <p:transition p14:dur="0"/>
-    </mc:Choice>
-    <mc:Fallback xmlns="">
-      <p:transition/>
-    </mc:Fallback>
-  </mc:AlternateContent>
-  <p:timing>
-    <p:tnLst>
-      <p:par>
-        <p:cTn id="1" dur="indefinite" restart="never" nodeType="tmRoot"/>
-      </p:par>
-    </p:tnLst>
-  </p:timing>
-</p:sld>
-</file>
-
-<file path=ppt/slides/slide9.xml><?xml version="1.0" encoding="utf-8"?>
-<p:sld xmlns:a="http://schemas.openxmlformats.org/drawingml/2006/main" xmlns:r="http://schemas.openxmlformats.org/officeDocument/2006/relationships" xmlns:p="http://schemas.openxmlformats.org/presentationml/2006/main">
-  <p:cSld>
-    <p:spTree>
-      <p:nvGrpSpPr>
-        <p:cNvPr id="1" name=""/>
-        <p:cNvGrpSpPr/>
-        <p:nvPr/>
-      </p:nvGrpSpPr>
-      <p:grpSpPr>
-        <a:xfrm>
-          <a:off x="0" y="0"/>
-          <a:ext cx="0" cy="0"/>
-          <a:chOff x="0" y="0"/>
-          <a:chExt cx="0" cy="0"/>
-        </a:xfrm>
-      </p:grpSpPr>
-      <p:pic>
-        <p:nvPicPr>
-          <p:cNvPr id="8" name="Picture 7"/>
-          <p:cNvPicPr>
-            <a:picLocks noChangeAspect="1"/>
-          </p:cNvPicPr>
-          <p:nvPr/>
-        </p:nvPicPr>
-        <p:blipFill>
-          <a:blip r:embed="rId2"/>
-          <a:stretch>
-            <a:fillRect/>
-          </a:stretch>
-        </p:blipFill>
-        <p:spPr>
-          <a:xfrm>
-            <a:off x="503106" y="1776667"/>
-            <a:ext cx="8412293" cy="4177295"/>
-          </a:xfrm>
-          <a:prstGeom prst="rect">
-            <a:avLst/>
-          </a:prstGeom>
-        </p:spPr>
-      </p:pic>
-      <p:sp>
-        <p:nvSpPr>
-          <p:cNvPr id="2" name="Text Placeholder 1"/>
-          <p:cNvSpPr>
-            <a:spLocks noGrp="1"/>
-          </p:cNvSpPr>
-          <p:nvPr>
-            <p:ph type="body" sz="quarter" idx="12"/>
-          </p:nvPr>
-        </p:nvSpPr>
-        <p:spPr/>
-        <p:txBody>
-          <a:bodyPr/>
-          <a:lstStyle/>
-          <a:p>
-            <a:pPr marL="342900" indent="-342900">
-              <a:buFont typeface="Arial" charset="0"/>
-              <a:buChar char="•"/>
-            </a:pPr>
-            <a:r>
-              <a:rPr lang="en-US" dirty="0" smtClean="0">
-                <a:solidFill>
-                  <a:srgbClr val="FF0000"/>
-                </a:solidFill>
-              </a:rPr>
-              <a:t>Uses </a:t>
-            </a:r>
-            <a:r>
-              <a:rPr lang="en-US" dirty="0" err="1" smtClean="0">
-                <a:solidFill>
-                  <a:srgbClr val="FF0000"/>
-                </a:solidFill>
-              </a:rPr>
-              <a:t>React.createClass</a:t>
-            </a:r>
-            <a:endParaRPr lang="en-US" dirty="0" smtClean="0">
-              <a:solidFill>
-                <a:srgbClr val="FF0000"/>
-              </a:solidFill>
-            </a:endParaRPr>
-          </a:p>
-          <a:p>
-            <a:pPr marL="342900" indent="-342900">
-              <a:buFont typeface="Arial" charset="0"/>
-              <a:buChar char="•"/>
-            </a:pPr>
-            <a:endParaRPr lang="en-US" dirty="0"/>
-          </a:p>
-          <a:p>
-            <a:pPr marL="342900" indent="-342900">
-              <a:buFont typeface="Arial" charset="0"/>
-              <a:buChar char="•"/>
-            </a:pPr>
-            <a:endParaRPr lang="en-US" dirty="0" smtClean="0"/>
-          </a:p>
-          <a:p>
-            <a:pPr marL="342900" indent="-342900">
-              <a:buFont typeface="Arial" charset="0"/>
-              <a:buChar char="•"/>
-            </a:pPr>
-            <a:endParaRPr lang="en-US" dirty="0"/>
-          </a:p>
-          <a:p>
-            <a:pPr marL="342900" indent="-342900">
-              <a:buFont typeface="Arial" charset="0"/>
-              <a:buChar char="•"/>
-            </a:pPr>
-            <a:endParaRPr lang="en-US" dirty="0" smtClean="0"/>
-          </a:p>
-          <a:p>
-            <a:pPr marL="342900" indent="-342900">
-              <a:buFont typeface="Arial" charset="0"/>
-              <a:buChar char="•"/>
-            </a:pPr>
-            <a:endParaRPr lang="en-US" dirty="0" smtClean="0"/>
-          </a:p>
-        </p:txBody>
-      </p:sp>
-      <p:sp>
-        <p:nvSpPr>
-          <p:cNvPr id="3" name="Title 2"/>
-          <p:cNvSpPr>
-            <a:spLocks noGrp="1"/>
-          </p:cNvSpPr>
-          <p:nvPr>
-            <p:ph type="title"/>
-          </p:nvPr>
-        </p:nvSpPr>
-        <p:spPr/>
-        <p:txBody>
-          <a:bodyPr/>
-          <a:lstStyle/>
-          <a:p>
-            <a:r>
-              <a:rPr lang="en-US" dirty="0" smtClean="0"/>
-              <a:t>Three Ways </a:t>
-            </a:r>
-            <a:r>
-              <a:rPr lang="mr-IN" dirty="0" smtClean="0"/>
-              <a:t>–</a:t>
-            </a:r>
-            <a:r>
-              <a:rPr lang="en-US" dirty="0" smtClean="0"/>
-              <a:t> </a:t>
-            </a:r>
-            <a:r>
-              <a:rPr lang="en-US" dirty="0" err="1" smtClean="0"/>
-              <a:t>CreateClass</a:t>
-            </a:r>
-            <a:r>
-              <a:rPr lang="en-US" dirty="0" smtClean="0"/>
-              <a:t> - </a:t>
-            </a:r>
-            <a:r>
-              <a:rPr lang="en-US" dirty="0" smtClean="0">
-                <a:solidFill>
-                  <a:srgbClr val="FF0000"/>
-                </a:solidFill>
-              </a:rPr>
-              <a:t>DEPRECATED</a:t>
-            </a:r>
-            <a:endParaRPr lang="en-US" dirty="0">
-              <a:solidFill>
-                <a:srgbClr val="FF0000"/>
-              </a:solidFill>
-            </a:endParaRPr>
-          </a:p>
-        </p:txBody>
-      </p:sp>
-      <p:grpSp>
-        <p:nvGrpSpPr>
-          <p:cNvPr id="5" name="Group 4"/>
-          <p:cNvGrpSpPr/>
-          <p:nvPr/>
-        </p:nvGrpSpPr>
-        <p:grpSpPr>
-          <a:xfrm>
-            <a:off x="4343400" y="5410200"/>
-            <a:ext cx="2601722" cy="508000"/>
-            <a:chOff x="4104454" y="2435999"/>
-            <a:chExt cx="2601722" cy="508000"/>
-          </a:xfrm>
-        </p:grpSpPr>
-        <p:sp>
-          <p:nvSpPr>
-            <p:cNvPr id="6" name="TextBox 5"/>
-            <p:cNvSpPr txBox="1"/>
-            <p:nvPr/>
-          </p:nvSpPr>
-          <p:spPr>
-            <a:xfrm>
-              <a:off x="5265139" y="2667000"/>
-              <a:ext cx="1441037" cy="276999"/>
-            </a:xfrm>
-            <a:prstGeom prst="rect">
-              <a:avLst/>
-            </a:prstGeom>
-            <a:noFill/>
-          </p:spPr>
-          <p:txBody>
-            <a:bodyPr wrap="none" lIns="0" tIns="0" rIns="0" bIns="0" rtlCol="0">
-              <a:spAutoFit/>
-            </a:bodyPr>
-            <a:lstStyle/>
-            <a:p>
-              <a:pPr algn="ctr"/>
-              <a:r>
-                <a:rPr lang="en-US" dirty="0" smtClean="0">
-                  <a:solidFill>
-                    <a:srgbClr val="FF0000"/>
-                  </a:solidFill>
-                </a:rPr>
-                <a:t>Event Handler</a:t>
-              </a:r>
-            </a:p>
-          </p:txBody>
-        </p:sp>
-        <p:cxnSp>
-          <p:nvCxnSpPr>
-            <p:cNvPr id="7" name="Straight Arrow Connector 6"/>
-            <p:cNvCxnSpPr/>
-            <p:nvPr/>
-          </p:nvCxnSpPr>
-          <p:spPr>
-            <a:xfrm flipH="1" flipV="1">
-              <a:off x="4104454" y="2435999"/>
-              <a:ext cx="1077147" cy="369503"/>
-            </a:xfrm>
-            <a:prstGeom prst="straightConnector1">
-              <a:avLst/>
-            </a:prstGeom>
-            <a:ln w="38100">
-              <a:solidFill>
-                <a:srgbClr val="FF0000"/>
-              </a:solidFill>
-              <a:tailEnd type="triangle"/>
-            </a:ln>
-          </p:spPr>
-          <p:style>
-            <a:lnRef idx="1">
-              <a:schemeClr val="accent1"/>
-            </a:lnRef>
-            <a:fillRef idx="0">
-              <a:schemeClr val="accent1"/>
-            </a:fillRef>
-            <a:effectRef idx="0">
-              <a:schemeClr val="accent1"/>
-            </a:effectRef>
-            <a:fontRef idx="minor">
-              <a:schemeClr val="tx1"/>
-            </a:fontRef>
-          </p:style>
-        </p:cxnSp>
-      </p:grpSp>
-      <p:grpSp>
-        <p:nvGrpSpPr>
-          <p:cNvPr id="10" name="Group 9"/>
-          <p:cNvGrpSpPr/>
-          <p:nvPr/>
-        </p:nvGrpSpPr>
-        <p:grpSpPr>
-          <a:xfrm>
-            <a:off x="4392131" y="2286000"/>
-            <a:ext cx="2552991" cy="276999"/>
-            <a:chOff x="4038600" y="2667000"/>
-            <a:chExt cx="2552991" cy="276999"/>
-          </a:xfrm>
-        </p:grpSpPr>
-        <p:sp>
-          <p:nvSpPr>
-            <p:cNvPr id="11" name="TextBox 10"/>
-            <p:cNvSpPr txBox="1"/>
-            <p:nvPr/>
-          </p:nvSpPr>
-          <p:spPr>
-            <a:xfrm>
-              <a:off x="5379720" y="2667000"/>
-              <a:ext cx="1211871" cy="276999"/>
-            </a:xfrm>
-            <a:prstGeom prst="rect">
-              <a:avLst/>
-            </a:prstGeom>
-            <a:noFill/>
-          </p:spPr>
-          <p:txBody>
-            <a:bodyPr wrap="none" lIns="0" tIns="0" rIns="0" bIns="0" rtlCol="0">
-              <a:spAutoFit/>
-            </a:bodyPr>
-            <a:lstStyle/>
-            <a:p>
-              <a:pPr algn="ctr"/>
-              <a:r>
-                <a:rPr lang="en-US" smtClean="0">
-                  <a:solidFill>
-                    <a:srgbClr val="FF0000"/>
-                  </a:solidFill>
-                </a:rPr>
-                <a:t>Define state</a:t>
-              </a:r>
-              <a:endParaRPr lang="en-US" dirty="0" smtClean="0">
-                <a:solidFill>
-                  <a:srgbClr val="FF0000"/>
-                </a:solidFill>
-              </a:endParaRPr>
-            </a:p>
-          </p:txBody>
-        </p:sp>
-        <p:cxnSp>
-          <p:nvCxnSpPr>
-            <p:cNvPr id="12" name="Straight Arrow Connector 11"/>
-            <p:cNvCxnSpPr/>
-            <p:nvPr/>
-          </p:nvCxnSpPr>
-          <p:spPr>
-            <a:xfrm flipH="1" flipV="1">
-              <a:off x="4038600" y="2805499"/>
-              <a:ext cx="1143000" cy="1"/>
-            </a:xfrm>
-            <a:prstGeom prst="straightConnector1">
-              <a:avLst/>
-            </a:prstGeom>
-            <a:ln w="38100">
-              <a:solidFill>
-                <a:srgbClr val="FF0000"/>
-              </a:solidFill>
-              <a:tailEnd type="triangle"/>
-            </a:ln>
-          </p:spPr>
-          <p:style>
-            <a:lnRef idx="1">
-              <a:schemeClr val="accent1"/>
-            </a:lnRef>
-            <a:fillRef idx="0">
-              <a:schemeClr val="accent1"/>
-            </a:fillRef>
-            <a:effectRef idx="0">
-              <a:schemeClr val="accent1"/>
-            </a:effectRef>
-            <a:fontRef idx="minor">
-              <a:schemeClr val="tx1"/>
-            </a:fontRef>
-          </p:style>
-        </p:cxnSp>
-      </p:grpSp>
-      <p:grpSp>
-        <p:nvGrpSpPr>
-          <p:cNvPr id="13" name="Group 12"/>
-          <p:cNvGrpSpPr/>
-          <p:nvPr/>
-        </p:nvGrpSpPr>
-        <p:grpSpPr>
-          <a:xfrm>
-            <a:off x="5257800" y="3445775"/>
-            <a:ext cx="2913285" cy="472475"/>
-            <a:chOff x="4935315" y="4320401"/>
-            <a:chExt cx="2913285" cy="472475"/>
-          </a:xfrm>
-        </p:grpSpPr>
-        <p:sp>
-          <p:nvSpPr>
-            <p:cNvPr id="14" name="TextBox 13"/>
-            <p:cNvSpPr txBox="1"/>
-            <p:nvPr/>
-          </p:nvSpPr>
-          <p:spPr>
-            <a:xfrm>
-              <a:off x="6224758" y="4320401"/>
-              <a:ext cx="1623842" cy="276999"/>
-            </a:xfrm>
-            <a:prstGeom prst="rect">
-              <a:avLst/>
-            </a:prstGeom>
-            <a:noFill/>
-          </p:spPr>
-          <p:txBody>
-            <a:bodyPr wrap="none" lIns="0" tIns="0" rIns="0" bIns="0" rtlCol="0">
-              <a:spAutoFit/>
-            </a:bodyPr>
-            <a:lstStyle/>
-            <a:p>
-              <a:pPr algn="ctr"/>
-              <a:r>
-                <a:rPr lang="en-US" dirty="0" smtClean="0">
-                  <a:solidFill>
-                    <a:srgbClr val="FF0000"/>
-                  </a:solidFill>
-                </a:rPr>
-                <a:t>Reference props</a:t>
-              </a:r>
-            </a:p>
-          </p:txBody>
-        </p:sp>
-        <p:cxnSp>
-          <p:nvCxnSpPr>
-            <p:cNvPr id="15" name="Straight Arrow Connector 14"/>
-            <p:cNvCxnSpPr/>
-            <p:nvPr/>
-          </p:nvCxnSpPr>
-          <p:spPr>
-            <a:xfrm flipH="1">
-              <a:off x="4935315" y="4437451"/>
-              <a:ext cx="1019991" cy="355425"/>
-            </a:xfrm>
-            <a:prstGeom prst="straightConnector1">
-              <a:avLst/>
-            </a:prstGeom>
-            <a:ln w="38100">
-              <a:solidFill>
-                <a:srgbClr val="FF0000"/>
-              </a:solidFill>
-              <a:tailEnd type="triangle"/>
-            </a:ln>
-          </p:spPr>
-          <p:style>
-            <a:lnRef idx="1">
-              <a:schemeClr val="accent1"/>
-            </a:lnRef>
-            <a:fillRef idx="0">
-              <a:schemeClr val="accent1"/>
-            </a:fillRef>
-            <a:effectRef idx="0">
-              <a:schemeClr val="accent1"/>
-            </a:effectRef>
-            <a:fontRef idx="minor">
-              <a:schemeClr val="tx1"/>
-            </a:fontRef>
-          </p:style>
-        </p:cxnSp>
-      </p:grpSp>
-    </p:spTree>
-    <p:extLst>
-      <p:ext uri="{BB962C8B-B14F-4D97-AF65-F5344CB8AC3E}">
-        <p14:creationId xmlns:p14="http://schemas.microsoft.com/office/powerpoint/2010/main" val="188978365"/>
       </p:ext>
     </p:extLst>
   </p:cSld>
